--- a/小组作业/doc/人工智能_G3_Astar算法讲解.pptx
+++ b/小组作业/doc/人工智能_G3_Astar算法讲解.pptx
@@ -17021,7 +17021,7 @@
             <a:pPr indent="355600" fontAlgn="auto">
               <a:extLst>
                 <a:ext uri="{35155182-B16C-46BC-9424-99874614C6A1}">
-                  <wpsdc:indentchars xmlns:lc="http://schemas.openxmlformats.org/drawingml/2006/lockedCanvas" xmlns:wpsdc="http://www.wps.cn/officeDocument/2017/drawingmlCustomData" xmlns="" val="200" checksum="3837665281"/>
+                  <wpsdc:indentchars xmlns="" xmlns:wpsdc="http://www.wps.cn/officeDocument/2017/drawingmlCustomData" xmlns:lc="http://schemas.openxmlformats.org/drawingml/2006/lockedCanvas" val="200" checksum="3837665281"/>
                 </a:ext>
               </a:extLst>
             </a:pPr>
@@ -17061,7 +17061,7 @@
             <a:pPr indent="355600" fontAlgn="auto">
               <a:extLst>
                 <a:ext uri="{35155182-B16C-46BC-9424-99874614C6A1}">
-                  <wpsdc:indentchars xmlns:lc="http://schemas.openxmlformats.org/drawingml/2006/lockedCanvas" xmlns:wpsdc="http://www.wps.cn/officeDocument/2017/drawingmlCustomData" xmlns="" val="200" checksum="3837665281"/>
+                  <wpsdc:indentchars xmlns="" xmlns:wpsdc="http://www.wps.cn/officeDocument/2017/drawingmlCustomData" xmlns:lc="http://schemas.openxmlformats.org/drawingml/2006/lockedCanvas" val="200" checksum="3837665281"/>
                 </a:ext>
               </a:extLst>
             </a:pPr>
@@ -17101,7 +17101,7 @@
             <a:pPr indent="355600" fontAlgn="auto">
               <a:extLst>
                 <a:ext uri="{35155182-B16C-46BC-9424-99874614C6A1}">
-                  <wpsdc:indentchars xmlns:lc="http://schemas.openxmlformats.org/drawingml/2006/lockedCanvas" xmlns:wpsdc="http://www.wps.cn/officeDocument/2017/drawingmlCustomData" xmlns="" val="200" checksum="3837665281"/>
+                  <wpsdc:indentchars xmlns="" xmlns:wpsdc="http://www.wps.cn/officeDocument/2017/drawingmlCustomData" xmlns:lc="http://schemas.openxmlformats.org/drawingml/2006/lockedCanvas" val="200" checksum="3837665281"/>
                 </a:ext>
               </a:extLst>
             </a:pPr>
@@ -17141,7 +17141,7 @@
             <a:pPr indent="355600" fontAlgn="auto">
               <a:extLst>
                 <a:ext uri="{35155182-B16C-46BC-9424-99874614C6A1}">
-                  <wpsdc:indentchars xmlns:lc="http://schemas.openxmlformats.org/drawingml/2006/lockedCanvas" xmlns:wpsdc="http://www.wps.cn/officeDocument/2017/drawingmlCustomData" xmlns="" val="200" checksum="3837665281"/>
+                  <wpsdc:indentchars xmlns="" xmlns:wpsdc="http://www.wps.cn/officeDocument/2017/drawingmlCustomData" xmlns:lc="http://schemas.openxmlformats.org/drawingml/2006/lockedCanvas" val="200" checksum="3837665281"/>
                 </a:ext>
               </a:extLst>
             </a:pPr>
@@ -23371,7 +23371,7 @@
             <a:pPr indent="457200" fontAlgn="auto">
               <a:extLst>
                 <a:ext uri="{35155182-B16C-46BC-9424-99874614C6A1}">
-                  <wpsdc:indentchars xmlns:wpsdc="http://www.wps.cn/officeDocument/2017/drawingmlCustomData" xmlns="" val="200" checksum="59296752"/>
+                  <wpsdc:indentchars xmlns="" xmlns:wpsdc="http://www.wps.cn/officeDocument/2017/drawingmlCustomData" val="200" checksum="59296752"/>
                 </a:ext>
               </a:extLst>
             </a:pPr>
@@ -25087,7 +25087,7 @@
             <a:pPr indent="457200" fontAlgn="auto">
               <a:extLst>
                 <a:ext uri="{35155182-B16C-46BC-9424-99874614C6A1}">
-                  <wpsdc:indentchars xmlns:wpsdc="http://www.wps.cn/officeDocument/2017/drawingmlCustomData" xmlns="" val="200" checksum="59296752"/>
+                  <wpsdc:indentchars xmlns="" xmlns:wpsdc="http://www.wps.cn/officeDocument/2017/drawingmlCustomData" val="200" checksum="59296752"/>
                 </a:ext>
               </a:extLst>
             </a:pPr>
@@ -28169,7 +28169,7 @@
             <a:pPr indent="457200" fontAlgn="auto">
               <a:extLst>
                 <a:ext uri="{35155182-B16C-46BC-9424-99874614C6A1}">
-                  <wpsdc:indentchars xmlns:wpsdc="http://www.wps.cn/officeDocument/2017/drawingmlCustomData" xmlns="" val="200" checksum="59296752"/>
+                  <wpsdc:indentchars xmlns="" xmlns:wpsdc="http://www.wps.cn/officeDocument/2017/drawingmlCustomData" val="200" checksum="59296752"/>
                 </a:ext>
               </a:extLst>
             </a:pPr>
@@ -28182,10 +28182,10 @@
       </p:sp>
       <p:pic>
         <p:nvPicPr>
-          <p:cNvPr id="4" name="图片 3">
+          <p:cNvPr id="5" name="图片 4">
             <a:extLst>
               <a:ext uri="{FF2B5EF4-FFF2-40B4-BE49-F238E27FC236}">
-                <a16:creationId xmlns:a16="http://schemas.microsoft.com/office/drawing/2014/main" id="{D1C50E5F-A450-4C46-8A25-CAAFD3486F45}"/>
+                <a16:creationId xmlns:a16="http://schemas.microsoft.com/office/drawing/2014/main" id="{589C8336-1932-48E6-B567-57DA7B0AB4C8}"/>
               </a:ext>
             </a:extLst>
           </p:cNvPr>
@@ -28202,8 +28202,8 @@
         </p:blipFill>
         <p:spPr>
           <a:xfrm>
-            <a:off x="3453145" y="418673"/>
-            <a:ext cx="4071913" cy="4334901"/>
+            <a:off x="3314593" y="51470"/>
+            <a:ext cx="4752528" cy="5092030"/>
           </a:xfrm>
           <a:prstGeom prst="rect">
             <a:avLst/>

--- a/小组作业/doc/人工智能_G3_Astar算法讲解.pptx
+++ b/小组作业/doc/人工智能_G3_Astar算法讲解.pptx
@@ -254,7 +254,7 @@
           <a:p>
             <a:fld id="{40387649-87BE-48A6-AB38-3A28AD0FAB86}" type="datetimeFigureOut">
               <a:rPr lang="ko-KR" altLang="en-US" smtClean="0"/>
-              <a:t>2020-10-26</a:t>
+              <a:t>2020-11-01</a:t>
             </a:fld>
             <a:endParaRPr lang="ko-KR" altLang="en-US"/>
           </a:p>
@@ -419,7 +419,7 @@
           <a:p>
             <a:fld id="{EC04DDF7-921D-4AC8-B946-4DD615DDC886}" type="datetimeFigureOut">
               <a:rPr lang="ko-KR" altLang="en-US" smtClean="0"/>
-              <a:t>2020-10-26</a:t>
+              <a:t>2020-11-01</a:t>
             </a:fld>
             <a:endParaRPr lang="ko-KR" altLang="en-US"/>
           </a:p>
@@ -17021,7 +17021,7 @@
             <a:pPr indent="355600" fontAlgn="auto">
               <a:extLst>
                 <a:ext uri="{35155182-B16C-46BC-9424-99874614C6A1}">
-                  <wpsdc:indentchars xmlns="" xmlns:wpsdc="http://www.wps.cn/officeDocument/2017/drawingmlCustomData" xmlns:lc="http://schemas.openxmlformats.org/drawingml/2006/lockedCanvas" val="200" checksum="3837665281"/>
+                  <wpsdc:indentchars xmlns:lc="http://schemas.openxmlformats.org/drawingml/2006/lockedCanvas" xmlns:wpsdc="http://www.wps.cn/officeDocument/2017/drawingmlCustomData" xmlns="" val="200" checksum="3837665281"/>
                 </a:ext>
               </a:extLst>
             </a:pPr>
@@ -17061,7 +17061,7 @@
             <a:pPr indent="355600" fontAlgn="auto">
               <a:extLst>
                 <a:ext uri="{35155182-B16C-46BC-9424-99874614C6A1}">
-                  <wpsdc:indentchars xmlns="" xmlns:wpsdc="http://www.wps.cn/officeDocument/2017/drawingmlCustomData" xmlns:lc="http://schemas.openxmlformats.org/drawingml/2006/lockedCanvas" val="200" checksum="3837665281"/>
+                  <wpsdc:indentchars xmlns:lc="http://schemas.openxmlformats.org/drawingml/2006/lockedCanvas" xmlns:wpsdc="http://www.wps.cn/officeDocument/2017/drawingmlCustomData" xmlns="" val="200" checksum="3837665281"/>
                 </a:ext>
               </a:extLst>
             </a:pPr>
@@ -17101,7 +17101,7 @@
             <a:pPr indent="355600" fontAlgn="auto">
               <a:extLst>
                 <a:ext uri="{35155182-B16C-46BC-9424-99874614C6A1}">
-                  <wpsdc:indentchars xmlns="" xmlns:wpsdc="http://www.wps.cn/officeDocument/2017/drawingmlCustomData" xmlns:lc="http://schemas.openxmlformats.org/drawingml/2006/lockedCanvas" val="200" checksum="3837665281"/>
+                  <wpsdc:indentchars xmlns:lc="http://schemas.openxmlformats.org/drawingml/2006/lockedCanvas" xmlns:wpsdc="http://www.wps.cn/officeDocument/2017/drawingmlCustomData" xmlns="" val="200" checksum="3837665281"/>
                 </a:ext>
               </a:extLst>
             </a:pPr>
@@ -17141,7 +17141,7 @@
             <a:pPr indent="355600" fontAlgn="auto">
               <a:extLst>
                 <a:ext uri="{35155182-B16C-46BC-9424-99874614C6A1}">
-                  <wpsdc:indentchars xmlns="" xmlns:wpsdc="http://www.wps.cn/officeDocument/2017/drawingmlCustomData" xmlns:lc="http://schemas.openxmlformats.org/drawingml/2006/lockedCanvas" val="200" checksum="3837665281"/>
+                  <wpsdc:indentchars xmlns:lc="http://schemas.openxmlformats.org/drawingml/2006/lockedCanvas" xmlns:wpsdc="http://www.wps.cn/officeDocument/2017/drawingmlCustomData" xmlns="" val="200" checksum="3837665281"/>
                 </a:ext>
               </a:extLst>
             </a:pPr>
@@ -17522,7 +17522,7 @@
                             </p:stCondLst>
                             <p:childTnLst>
                               <p:par>
-                                <p:cTn id="12" presetID="42" presetClass="entr" presetSubtype="0" fill="hold" nodeType="clickEffect">
+                                <p:cTn id="12" presetID="42" presetClass="entr" presetSubtype="0" fill="hold" grpId="0" nodeType="clickEffect">
                                   <p:stCondLst>
                                     <p:cond delay="0"/>
                                   </p:stCondLst>
@@ -17535,7 +17535,7 @@
                                           </p:stCondLst>
                                         </p:cTn>
                                         <p:tgtEl>
-                                          <p:spTgt spid="2052"/>
+                                          <p:spTgt spid="3"/>
                                         </p:tgtEl>
                                         <p:attrNameLst>
                                           <p:attrName>style.visibility</p:attrName>
@@ -17549,7 +17549,7 @@
                                       <p:cBhvr>
                                         <p:cTn id="14" dur="1000"/>
                                         <p:tgtEl>
-                                          <p:spTgt spid="2052"/>
+                                          <p:spTgt spid="3"/>
                                         </p:tgtEl>
                                       </p:cBhvr>
                                     </p:animEffect>
@@ -17557,7 +17557,7 @@
                                       <p:cBhvr>
                                         <p:cTn id="15" dur="1000" fill="hold"/>
                                         <p:tgtEl>
-                                          <p:spTgt spid="2052"/>
+                                          <p:spTgt spid="3"/>
                                         </p:tgtEl>
                                         <p:attrNameLst>
                                           <p:attrName>ppt_x</p:attrName>
@@ -17580,7 +17580,7 @@
                                       <p:cBhvr>
                                         <p:cTn id="16" dur="1000" fill="hold"/>
                                         <p:tgtEl>
-                                          <p:spTgt spid="2052"/>
+                                          <p:spTgt spid="3"/>
                                         </p:tgtEl>
                                         <p:attrNameLst>
                                           <p:attrName>ppt_y</p:attrName>
@@ -17621,7 +17621,7 @@
                             </p:stCondLst>
                             <p:childTnLst>
                               <p:par>
-                                <p:cTn id="19" presetID="42" presetClass="entr" presetSubtype="0" fill="hold" grpId="0" nodeType="clickEffect">
+                                <p:cTn id="19" presetID="42" presetClass="entr" presetSubtype="0" fill="hold" nodeType="clickEffect">
                                   <p:stCondLst>
                                     <p:cond delay="0"/>
                                   </p:stCondLst>
@@ -17629,6 +17629,105 @@
                                     <p:set>
                                       <p:cBhvr>
                                         <p:cTn id="20" dur="1" fill="hold">
+                                          <p:stCondLst>
+                                            <p:cond delay="0"/>
+                                          </p:stCondLst>
+                                        </p:cTn>
+                                        <p:tgtEl>
+                                          <p:spTgt spid="2052"/>
+                                        </p:tgtEl>
+                                        <p:attrNameLst>
+                                          <p:attrName>style.visibility</p:attrName>
+                                        </p:attrNameLst>
+                                      </p:cBhvr>
+                                      <p:to>
+                                        <p:strVal val="visible"/>
+                                      </p:to>
+                                    </p:set>
+                                    <p:animEffect transition="in" filter="fade">
+                                      <p:cBhvr>
+                                        <p:cTn id="21" dur="1000"/>
+                                        <p:tgtEl>
+                                          <p:spTgt spid="2052"/>
+                                        </p:tgtEl>
+                                      </p:cBhvr>
+                                    </p:animEffect>
+                                    <p:anim calcmode="lin" valueType="num">
+                                      <p:cBhvr>
+                                        <p:cTn id="22" dur="1000" fill="hold"/>
+                                        <p:tgtEl>
+                                          <p:spTgt spid="2052"/>
+                                        </p:tgtEl>
+                                        <p:attrNameLst>
+                                          <p:attrName>ppt_x</p:attrName>
+                                        </p:attrNameLst>
+                                      </p:cBhvr>
+                                      <p:tavLst>
+                                        <p:tav tm="0">
+                                          <p:val>
+                                            <p:strVal val="#ppt_x"/>
+                                          </p:val>
+                                        </p:tav>
+                                        <p:tav tm="100000">
+                                          <p:val>
+                                            <p:strVal val="#ppt_x"/>
+                                          </p:val>
+                                        </p:tav>
+                                      </p:tavLst>
+                                    </p:anim>
+                                    <p:anim calcmode="lin" valueType="num">
+                                      <p:cBhvr>
+                                        <p:cTn id="23" dur="1000" fill="hold"/>
+                                        <p:tgtEl>
+                                          <p:spTgt spid="2052"/>
+                                        </p:tgtEl>
+                                        <p:attrNameLst>
+                                          <p:attrName>ppt_y</p:attrName>
+                                        </p:attrNameLst>
+                                      </p:cBhvr>
+                                      <p:tavLst>
+                                        <p:tav tm="0">
+                                          <p:val>
+                                            <p:strVal val="#ppt_y+.1"/>
+                                          </p:val>
+                                        </p:tav>
+                                        <p:tav tm="100000">
+                                          <p:val>
+                                            <p:strVal val="#ppt_y"/>
+                                          </p:val>
+                                        </p:tav>
+                                      </p:tavLst>
+                                    </p:anim>
+                                  </p:childTnLst>
+                                </p:cTn>
+                              </p:par>
+                            </p:childTnLst>
+                          </p:cTn>
+                        </p:par>
+                      </p:childTnLst>
+                    </p:cTn>
+                  </p:par>
+                  <p:par>
+                    <p:cTn id="24" fill="hold">
+                      <p:stCondLst>
+                        <p:cond delay="indefinite"/>
+                      </p:stCondLst>
+                      <p:childTnLst>
+                        <p:par>
+                          <p:cTn id="25" fill="hold">
+                            <p:stCondLst>
+                              <p:cond delay="0"/>
+                            </p:stCondLst>
+                            <p:childTnLst>
+                              <p:par>
+                                <p:cTn id="26" presetID="42" presetClass="entr" presetSubtype="0" fill="hold" grpId="0" nodeType="clickEffect">
+                                  <p:stCondLst>
+                                    <p:cond delay="0"/>
+                                  </p:stCondLst>
+                                  <p:childTnLst>
+                                    <p:set>
+                                      <p:cBhvr>
+                                        <p:cTn id="27" dur="1" fill="hold">
                                           <p:stCondLst>
                                             <p:cond delay="0"/>
                                           </p:stCondLst>
@@ -17646,7 +17745,7 @@
                                     </p:set>
                                     <p:animEffect transition="in" filter="fade">
                                       <p:cBhvr>
-                                        <p:cTn id="21" dur="1000"/>
+                                        <p:cTn id="28" dur="1000"/>
                                         <p:tgtEl>
                                           <p:spTgt spid="2"/>
                                         </p:tgtEl>
@@ -17654,7 +17753,7 @@
                                     </p:animEffect>
                                     <p:anim calcmode="lin" valueType="num">
                                       <p:cBhvr>
-                                        <p:cTn id="22" dur="1000" fill="hold"/>
+                                        <p:cTn id="29" dur="1000" fill="hold"/>
                                         <p:tgtEl>
                                           <p:spTgt spid="2"/>
                                         </p:tgtEl>
@@ -17677,7 +17776,7 @@
                                     </p:anim>
                                     <p:anim calcmode="lin" valueType="num">
                                       <p:cBhvr>
-                                        <p:cTn id="23" dur="1000" fill="hold"/>
+                                        <p:cTn id="30" dur="1000" fill="hold"/>
                                         <p:tgtEl>
                                           <p:spTgt spid="2"/>
                                         </p:tgtEl>
@@ -17730,6 +17829,7 @@
     </p:tnLst>
     <p:bldLst>
       <p:bldP spid="2" grpId="0"/>
+      <p:bldP spid="3" grpId="0"/>
     </p:bldLst>
   </p:timing>
 </p:sld>
@@ -23371,7 +23471,7 @@
             <a:pPr indent="457200" fontAlgn="auto">
               <a:extLst>
                 <a:ext uri="{35155182-B16C-46BC-9424-99874614C6A1}">
-                  <wpsdc:indentchars xmlns="" xmlns:wpsdc="http://www.wps.cn/officeDocument/2017/drawingmlCustomData" val="200" checksum="59296752"/>
+                  <wpsdc:indentchars xmlns:wpsdc="http://www.wps.cn/officeDocument/2017/drawingmlCustomData" xmlns="" val="200" checksum="59296752"/>
                 </a:ext>
               </a:extLst>
             </a:pPr>
@@ -23441,7 +23541,7 @@
             </p:custDataLst>
             <p:extLst>
               <p:ext uri="{D42A27DB-BD31-4B8C-83A1-F6EECF244321}">
-                <p14:modId xmlns:p14="http://schemas.microsoft.com/office/powerpoint/2010/main" val="3228965602"/>
+                <p14:modId xmlns:p14="http://schemas.microsoft.com/office/powerpoint/2010/main" val="1213028931"/>
               </p:ext>
             </p:extLst>
           </p:nvPr>
@@ -23755,15 +23855,7 @@
                       <a:pPr indent="0" algn="ctr">
                         <a:buNone/>
                       </a:pPr>
-                      <a:r>
-                        <a:rPr lang="en-US" sz="1200" b="1">
-                          <a:latin typeface="宋体" panose="02010600030101010101" pitchFamily="2" charset="-122"/>
-                          <a:ea typeface="宋体" panose="02010600030101010101" pitchFamily="2" charset="-122"/>
-                          <a:cs typeface="宋体" panose="02010600030101010101" pitchFamily="2" charset="-122"/>
-                        </a:rPr>
-                        <a:t>6</a:t>
-                      </a:r>
-                      <a:endParaRPr lang="en-US" altLang="en-US" sz="1200" b="1">
+                      <a:endParaRPr lang="en-US" altLang="en-US" sz="1200" b="1" dirty="0">
                         <a:latin typeface="宋体" panose="02010600030101010101" pitchFamily="2" charset="-122"/>
                         <a:ea typeface="宋体" panose="02010600030101010101" pitchFamily="2" charset="-122"/>
                         <a:cs typeface="宋体" panose="02010600030101010101" pitchFamily="2" charset="-122"/>
@@ -23958,14 +24050,22 @@
                         <a:buNone/>
                       </a:pPr>
                       <a:r>
-                        <a:rPr lang="en-US" sz="1200" b="1">
+                        <a:rPr lang="en-US" altLang="zh-CN" sz="1200" b="1" dirty="0">
+                          <a:latin typeface="宋体" panose="02010600030101010101" pitchFamily="2" charset="-122"/>
+                          <a:ea typeface="宋体" panose="02010600030101010101" pitchFamily="2" charset="-122"/>
+                          <a:cs typeface="宋体" panose="02010600030101010101" pitchFamily="2" charset="-122"/>
+                        </a:rPr>
+                        <a:t>6</a:t>
+                      </a:r>
+                      <a:r>
+                        <a:rPr lang="en-US" sz="1200" b="1" dirty="0">
                           <a:latin typeface="宋体" panose="02010600030101010101" pitchFamily="2" charset="-122"/>
                           <a:ea typeface="宋体" panose="02010600030101010101" pitchFamily="2" charset="-122"/>
                           <a:cs typeface="宋体" panose="02010600030101010101" pitchFamily="2" charset="-122"/>
                         </a:rPr>
                         <a:t> </a:t>
                       </a:r>
-                      <a:endParaRPr lang="en-US" altLang="en-US" sz="1200" b="1">
+                      <a:endParaRPr lang="en-US" altLang="en-US" sz="1200" b="1" dirty="0">
                         <a:latin typeface="宋体" panose="02010600030101010101" pitchFamily="2" charset="-122"/>
                         <a:ea typeface="宋体" panose="02010600030101010101" pitchFamily="2" charset="-122"/>
                         <a:cs typeface="宋体" panose="02010600030101010101" pitchFamily="2" charset="-122"/>
@@ -25087,7 +25187,7 @@
             <a:pPr indent="457200" fontAlgn="auto">
               <a:extLst>
                 <a:ext uri="{35155182-B16C-46BC-9424-99874614C6A1}">
-                  <wpsdc:indentchars xmlns="" xmlns:wpsdc="http://www.wps.cn/officeDocument/2017/drawingmlCustomData" val="200" checksum="59296752"/>
+                  <wpsdc:indentchars xmlns:wpsdc="http://www.wps.cn/officeDocument/2017/drawingmlCustomData" xmlns="" val="200" checksum="59296752"/>
                 </a:ext>
               </a:extLst>
             </a:pPr>
@@ -25269,7 +25369,7 @@
             </p:custDataLst>
             <p:extLst>
               <p:ext uri="{D42A27DB-BD31-4B8C-83A1-F6EECF244321}">
-                <p14:modId xmlns:p14="http://schemas.microsoft.com/office/powerpoint/2010/main" val="2600495171"/>
+                <p14:modId xmlns:p14="http://schemas.microsoft.com/office/powerpoint/2010/main" val="1995889079"/>
               </p:ext>
             </p:extLst>
           </p:nvPr>
@@ -25382,14 +25482,14 @@
                         <a:buNone/>
                       </a:pPr>
                       <a:r>
-                        <a:rPr lang="en-US" sz="1200" b="1">
+                        <a:rPr lang="en-US" sz="1200" b="1" dirty="0">
                           <a:latin typeface="宋体" panose="02010600030101010101" pitchFamily="2" charset="-122"/>
                           <a:ea typeface="宋体" panose="02010600030101010101" pitchFamily="2" charset="-122"/>
                           <a:cs typeface="宋体" panose="02010600030101010101" pitchFamily="2" charset="-122"/>
                         </a:rPr>
                         <a:t>8</a:t>
                       </a:r>
-                      <a:endParaRPr lang="en-US" altLang="en-US" sz="1200" b="1">
+                      <a:endParaRPr lang="en-US" altLang="en-US" sz="1200" b="1" dirty="0">
                         <a:latin typeface="宋体" panose="02010600030101010101" pitchFamily="2" charset="-122"/>
                         <a:ea typeface="宋体" panose="02010600030101010101" pitchFamily="2" charset="-122"/>
                         <a:cs typeface="宋体" panose="02010600030101010101" pitchFamily="2" charset="-122"/>
@@ -25583,15 +25683,7 @@
                       <a:pPr indent="0" algn="ctr">
                         <a:buNone/>
                       </a:pPr>
-                      <a:r>
-                        <a:rPr lang="en-US" sz="1200" b="1">
-                          <a:latin typeface="宋体" panose="02010600030101010101" pitchFamily="2" charset="-122"/>
-                          <a:ea typeface="宋体" panose="02010600030101010101" pitchFamily="2" charset="-122"/>
-                          <a:cs typeface="宋体" panose="02010600030101010101" pitchFamily="2" charset="-122"/>
-                        </a:rPr>
-                        <a:t>6</a:t>
-                      </a:r>
-                      <a:endParaRPr lang="en-US" altLang="en-US" sz="1200" b="1">
+                      <a:endParaRPr lang="en-US" altLang="en-US" sz="1200" b="1" dirty="0">
                         <a:latin typeface="宋体" panose="02010600030101010101" pitchFamily="2" charset="-122"/>
                         <a:ea typeface="宋体" panose="02010600030101010101" pitchFamily="2" charset="-122"/>
                         <a:cs typeface="宋体" panose="02010600030101010101" pitchFamily="2" charset="-122"/>
@@ -25786,14 +25878,22 @@
                         <a:buNone/>
                       </a:pPr>
                       <a:r>
-                        <a:rPr lang="en-US" sz="1200" b="1">
+                        <a:rPr lang="en-US" altLang="zh-CN" sz="1200" b="1" dirty="0">
+                          <a:latin typeface="宋体" panose="02010600030101010101" pitchFamily="2" charset="-122"/>
+                          <a:ea typeface="宋体" panose="02010600030101010101" pitchFamily="2" charset="-122"/>
+                          <a:cs typeface="宋体" panose="02010600030101010101" pitchFamily="2" charset="-122"/>
+                        </a:rPr>
+                        <a:t>6</a:t>
+                      </a:r>
+                      <a:r>
+                        <a:rPr lang="en-US" sz="1200" b="1" dirty="0">
                           <a:latin typeface="宋体" panose="02010600030101010101" pitchFamily="2" charset="-122"/>
                           <a:ea typeface="宋体" panose="02010600030101010101" pitchFamily="2" charset="-122"/>
                           <a:cs typeface="宋体" panose="02010600030101010101" pitchFamily="2" charset="-122"/>
                         </a:rPr>
                         <a:t> </a:t>
                       </a:r>
-                      <a:endParaRPr lang="en-US" altLang="en-US" sz="1200" b="1">
+                      <a:endParaRPr lang="en-US" altLang="en-US" sz="1200" b="1" dirty="0">
                         <a:latin typeface="宋体" panose="02010600030101010101" pitchFamily="2" charset="-122"/>
                         <a:ea typeface="宋体" panose="02010600030101010101" pitchFamily="2" charset="-122"/>
                         <a:cs typeface="宋体" panose="02010600030101010101" pitchFamily="2" charset="-122"/>
@@ -26743,7 +26843,7 @@
           <p:nvPr>
             <p:extLst>
               <p:ext uri="{D42A27DB-BD31-4B8C-83A1-F6EECF244321}">
-                <p14:modId xmlns:p14="http://schemas.microsoft.com/office/powerpoint/2010/main" val="3467910817"/>
+                <p14:modId xmlns:p14="http://schemas.microsoft.com/office/powerpoint/2010/main" val="3812938611"/>
               </p:ext>
             </p:extLst>
           </p:nvPr>
@@ -26962,35 +27062,6 @@
                           <a:ea typeface="华文楷体" panose="02010600040101010101" pitchFamily="2" charset="-122"/>
                           <a:cs typeface="+mn-cs"/>
                         </a:rPr>
-                        <a:t>6</a:t>
-                      </a:r>
-                      <a:endParaRPr lang="zh-CN" altLang="en-US" sz="1600" kern="1200" dirty="0">
-                        <a:solidFill>
-                          <a:schemeClr val="tx1"/>
-                        </a:solidFill>
-                        <a:latin typeface="华文楷体" panose="02010600040101010101" pitchFamily="2" charset="-122"/>
-                        <a:ea typeface="华文楷体" panose="02010600040101010101" pitchFamily="2" charset="-122"/>
-                        <a:cs typeface="+mn-cs"/>
-                      </a:endParaRPr>
-                    </a:p>
-                  </a:txBody>
-                  <a:tcPr/>
-                </a:tc>
-                <a:tc>
-                  <a:txBody>
-                    <a:bodyPr/>
-                    <a:lstStyle/>
-                    <a:p>
-                      <a:pPr algn="ctr"/>
-                      <a:r>
-                        <a:rPr lang="en-US" altLang="zh-CN" sz="1600" kern="1200" dirty="0">
-                          <a:solidFill>
-                            <a:schemeClr val="tx1"/>
-                          </a:solidFill>
-                          <a:latin typeface="华文楷体" panose="02010600040101010101" pitchFamily="2" charset="-122"/>
-                          <a:ea typeface="华文楷体" panose="02010600040101010101" pitchFamily="2" charset="-122"/>
-                          <a:cs typeface="+mn-cs"/>
-                        </a:rPr>
                         <a:t>4</a:t>
                       </a:r>
                       <a:endParaRPr lang="zh-CN" altLang="en-US" sz="1600" kern="1200" dirty="0">
@@ -27021,6 +27092,35 @@
                           <a:cs typeface="+mn-cs"/>
                         </a:rPr>
                         <a:t>7</a:t>
+                      </a:r>
+                      <a:endParaRPr lang="zh-CN" altLang="en-US" sz="1600" kern="1200" dirty="0">
+                        <a:solidFill>
+                          <a:schemeClr val="tx1"/>
+                        </a:solidFill>
+                        <a:latin typeface="华文楷体" panose="02010600040101010101" pitchFamily="2" charset="-122"/>
+                        <a:ea typeface="华文楷体" panose="02010600040101010101" pitchFamily="2" charset="-122"/>
+                        <a:cs typeface="+mn-cs"/>
+                      </a:endParaRPr>
+                    </a:p>
+                  </a:txBody>
+                  <a:tcPr/>
+                </a:tc>
+                <a:tc>
+                  <a:txBody>
+                    <a:bodyPr/>
+                    <a:lstStyle/>
+                    <a:p>
+                      <a:pPr algn="ctr"/>
+                      <a:r>
+                        <a:rPr lang="en-US" altLang="zh-CN" sz="1600" kern="1200" dirty="0">
+                          <a:solidFill>
+                            <a:schemeClr val="tx1"/>
+                          </a:solidFill>
+                          <a:latin typeface="华文楷体" panose="02010600040101010101" pitchFamily="2" charset="-122"/>
+                          <a:ea typeface="华文楷体" panose="02010600040101010101" pitchFamily="2" charset="-122"/>
+                          <a:cs typeface="+mn-cs"/>
+                        </a:rPr>
+                        <a:t>6</a:t>
                       </a:r>
                       <a:endParaRPr lang="zh-CN" altLang="en-US" sz="1600" kern="1200" dirty="0">
                         <a:solidFill>
@@ -27269,7 +27369,7 @@
                           <a:ea typeface="华文楷体" panose="02010600040101010101" pitchFamily="2" charset="-122"/>
                           <a:cs typeface="+mn-cs"/>
                         </a:rPr>
-                        <a:t>2</a:t>
+                        <a:t>1</a:t>
                       </a:r>
                       <a:endParaRPr lang="zh-CN" altLang="en-US" sz="1600" kern="1200" dirty="0">
                         <a:solidFill>
@@ -27290,7 +27390,7 @@
                     <a:p>
                       <a:pPr algn="ctr"/>
                       <a:r>
-                        <a:rPr lang="en-US" altLang="zh-CN" sz="1600" kern="1200" dirty="0">
+                        <a:rPr lang="en-US" altLang="zh-CN" sz="1600" kern="1200">
                           <a:solidFill>
                             <a:schemeClr val="tx1"/>
                           </a:solidFill>
@@ -27298,7 +27398,7 @@
                           <a:ea typeface="华文楷体" panose="02010600040101010101" pitchFamily="2" charset="-122"/>
                           <a:cs typeface="+mn-cs"/>
                         </a:rPr>
-                        <a:t>1</a:t>
+                        <a:t>2</a:t>
                       </a:r>
                       <a:endParaRPr lang="zh-CN" altLang="en-US" sz="1600" kern="1200" dirty="0">
                         <a:solidFill>
@@ -28106,46 +28206,6 @@
       </p:grpSpPr>
       <p:sp>
         <p:nvSpPr>
-          <p:cNvPr id="14" name="Title 1"/>
-          <p:cNvSpPr>
-            <a:spLocks noGrp="1"/>
-          </p:cNvSpPr>
-          <p:nvPr>
-            <p:ph type="title"/>
-          </p:nvPr>
-        </p:nvSpPr>
-        <p:spPr>
-          <a:xfrm>
-            <a:off x="1508929" y="267494"/>
-            <a:ext cx="1944216" cy="534771"/>
-          </a:xfrm>
-        </p:spPr>
-        <p:txBody>
-          <a:bodyPr/>
-          <a:lstStyle/>
-          <a:p>
-            <a:r>
-              <a:rPr lang="en-US" altLang="zh-CN" sz="2800" dirty="0">
-                <a:latin typeface="华文楷体" panose="02010600040101010101" pitchFamily="2" charset="-122"/>
-                <a:ea typeface="华文楷体" panose="02010600040101010101" pitchFamily="2" charset="-122"/>
-              </a:rPr>
-              <a:t>3.</a:t>
-            </a:r>
-            <a:r>
-              <a:rPr lang="zh-CN" altLang="en-US" sz="2800" dirty="0">
-                <a:latin typeface="华文楷体" panose="02010600040101010101" pitchFamily="2" charset="-122"/>
-                <a:ea typeface="华文楷体" panose="02010600040101010101" pitchFamily="2" charset="-122"/>
-              </a:rPr>
-              <a:t>算法过程</a:t>
-            </a:r>
-            <a:endParaRPr lang="ko-KR" altLang="en-US" sz="2800" dirty="0">
-              <a:latin typeface="华文楷体" panose="02010600040101010101" pitchFamily="2" charset="-122"/>
-            </a:endParaRPr>
-          </a:p>
-        </p:txBody>
-      </p:sp>
-      <p:sp>
-        <p:nvSpPr>
           <p:cNvPr id="2" name="文本框 1"/>
           <p:cNvSpPr txBox="1"/>
           <p:nvPr/>
@@ -28169,7 +28229,7 @@
             <a:pPr indent="457200" fontAlgn="auto">
               <a:extLst>
                 <a:ext uri="{35155182-B16C-46BC-9424-99874614C6A1}">
-                  <wpsdc:indentchars xmlns="" xmlns:wpsdc="http://www.wps.cn/officeDocument/2017/drawingmlCustomData" val="200" checksum="59296752"/>
+                  <wpsdc:indentchars xmlns:wpsdc="http://www.wps.cn/officeDocument/2017/drawingmlCustomData" xmlns="" val="200" checksum="59296752"/>
                 </a:ext>
               </a:extLst>
             </a:pPr>
@@ -28202,14 +28262,76 @@
         </p:blipFill>
         <p:spPr>
           <a:xfrm>
-            <a:off x="3314593" y="51470"/>
-            <a:ext cx="4752528" cy="5092030"/>
+            <a:off x="1979712" y="195486"/>
+            <a:ext cx="4752528" cy="4948014"/>
           </a:xfrm>
           <a:prstGeom prst="rect">
             <a:avLst/>
           </a:prstGeom>
         </p:spPr>
       </p:pic>
+      <p:sp>
+        <p:nvSpPr>
+          <p:cNvPr id="9" name="Title 1">
+            <a:extLst>
+              <a:ext uri="{FF2B5EF4-FFF2-40B4-BE49-F238E27FC236}">
+                <a16:creationId xmlns:a16="http://schemas.microsoft.com/office/drawing/2014/main" id="{3D43D783-28E4-4FBA-BD4E-F35799219E5C}"/>
+              </a:ext>
+            </a:extLst>
+          </p:cNvPr>
+          <p:cNvSpPr txBox="1">
+            <a:spLocks/>
+          </p:cNvSpPr>
+          <p:nvPr/>
+        </p:nvSpPr>
+        <p:spPr>
+          <a:xfrm>
+            <a:off x="1508929" y="267494"/>
+            <a:ext cx="1944216" cy="534771"/>
+          </a:xfrm>
+          <a:prstGeom prst="rect">
+            <a:avLst/>
+          </a:prstGeom>
+        </p:spPr>
+        <p:txBody>
+          <a:bodyPr anchor="ctr"/>
+          <a:lstStyle>
+            <a:lvl1pPr algn="l" defTabSz="914400" rtl="0" eaLnBrk="1" latinLnBrk="1" hangingPunct="1">
+              <a:spcBef>
+                <a:spcPct val="0"/>
+              </a:spcBef>
+              <a:buNone/>
+              <a:defRPr sz="3600" kern="1200">
+                <a:solidFill>
+                  <a:schemeClr val="tx1"/>
+                </a:solidFill>
+                <a:latin typeface="+mj-lt"/>
+                <a:ea typeface="+mj-ea"/>
+                <a:cs typeface="Arial" panose="020B0604020202020204" pitchFamily="34" charset="0"/>
+              </a:defRPr>
+            </a:lvl1pPr>
+          </a:lstStyle>
+          <a:p>
+            <a:r>
+              <a:rPr lang="en-US" altLang="zh-CN" sz="2800">
+                <a:latin typeface="华文楷体" panose="02010600040101010101" pitchFamily="2" charset="-122"/>
+                <a:ea typeface="华文楷体" panose="02010600040101010101" pitchFamily="2" charset="-122"/>
+              </a:rPr>
+              <a:t>3.</a:t>
+            </a:r>
+            <a:r>
+              <a:rPr lang="zh-CN" altLang="en-US" sz="2800">
+                <a:latin typeface="华文楷体" panose="02010600040101010101" pitchFamily="2" charset="-122"/>
+                <a:ea typeface="华文楷体" panose="02010600040101010101" pitchFamily="2" charset="-122"/>
+              </a:rPr>
+              <a:t>算法过程</a:t>
+            </a:r>
+            <a:endParaRPr lang="ko-KR" altLang="en-US" sz="2800" dirty="0">
+              <a:latin typeface="华文楷体" panose="02010600040101010101" pitchFamily="2" charset="-122"/>
+            </a:endParaRPr>
+          </a:p>
+        </p:txBody>
+      </p:sp>
     </p:spTree>
   </p:cSld>
   <p:clrMapOvr>
@@ -28248,7 +28370,7 @@
         <p:spPr>
           <a:xfrm>
             <a:off x="1547664" y="267493"/>
-            <a:ext cx="1944216" cy="534771"/>
+            <a:ext cx="2448272" cy="534771"/>
           </a:xfrm>
         </p:spPr>
         <p:txBody>
@@ -28267,7 +28389,7 @@
                 <a:latin typeface="华文楷体" panose="02010600040101010101" pitchFamily="2" charset="-122"/>
                 <a:ea typeface="华文楷体" panose="02010600040101010101" pitchFamily="2" charset="-122"/>
               </a:rPr>
-              <a:t>样例分析</a:t>
+              <a:t>搜索树状态</a:t>
             </a:r>
             <a:endParaRPr lang="ko-KR" altLang="en-US" sz="2800" dirty="0">
               <a:latin typeface="华文楷体" panose="02010600040101010101" pitchFamily="2" charset="-122"/>
@@ -28277,37 +28399,1149 @@
       </p:sp>
       <p:pic>
         <p:nvPicPr>
-          <p:cNvPr id="9" name="图片 9"/>
+          <p:cNvPr id="5" name="图片 4">
+            <a:extLst>
+              <a:ext uri="{FF2B5EF4-FFF2-40B4-BE49-F238E27FC236}">
+                <a16:creationId xmlns:a16="http://schemas.microsoft.com/office/drawing/2014/main" id="{51A15898-43A8-4BB9-96C7-DE328B099E6E}"/>
+              </a:ext>
+            </a:extLst>
+          </p:cNvPr>
           <p:cNvPicPr>
             <a:picLocks noChangeAspect="1"/>
           </p:cNvPicPr>
           <p:nvPr/>
         </p:nvPicPr>
         <p:blipFill>
-          <a:blip r:embed="rId5"/>
+          <a:blip r:embed="rId3"/>
           <a:stretch>
             <a:fillRect/>
           </a:stretch>
         </p:blipFill>
         <p:spPr>
           <a:xfrm>
-            <a:off x="5740027" y="123478"/>
-            <a:ext cx="3468370" cy="4789805"/>
+            <a:off x="1547664" y="967326"/>
+            <a:ext cx="5393388" cy="3800574"/>
           </a:xfrm>
           <a:prstGeom prst="rect">
             <a:avLst/>
           </a:prstGeom>
         </p:spPr>
       </p:pic>
+      <p:graphicFrame>
+        <p:nvGraphicFramePr>
+          <p:cNvPr id="7" name="表格 6">
+            <a:extLst>
+              <a:ext uri="{FF2B5EF4-FFF2-40B4-BE49-F238E27FC236}">
+                <a16:creationId xmlns:a16="http://schemas.microsoft.com/office/drawing/2014/main" id="{286BB033-1F53-49F5-AC04-0CF227661F9B}"/>
+              </a:ext>
+            </a:extLst>
+          </p:cNvPr>
+          <p:cNvGraphicFramePr/>
+          <p:nvPr>
+            <p:custDataLst>
+              <p:tags r:id="rId1"/>
+            </p:custDataLst>
+            <p:extLst>
+              <p:ext uri="{D42A27DB-BD31-4B8C-83A1-F6EECF244321}">
+                <p14:modId xmlns:p14="http://schemas.microsoft.com/office/powerpoint/2010/main" val="276326409"/>
+              </p:ext>
+            </p:extLst>
+          </p:nvPr>
+        </p:nvGraphicFramePr>
+        <p:xfrm>
+          <a:off x="4249979" y="3219822"/>
+          <a:ext cx="4673325" cy="1513651"/>
+        </p:xfrm>
+        <a:graphic>
+          <a:graphicData uri="http://schemas.openxmlformats.org/drawingml/2006/table">
+            <a:tbl>
+              <a:tblPr firstRow="1" bandRow="1">
+                <a:tableStyleId>{5940675A-B579-460E-94D1-54222C63F5DA}</a:tableStyleId>
+              </a:tblPr>
+              <a:tblGrid>
+                <a:gridCol w="2903703">
+                  <a:extLst>
+                    <a:ext uri="{9D8B030D-6E8A-4147-A177-3AD203B41FA5}">
+                      <a16:colId xmlns:a16="http://schemas.microsoft.com/office/drawing/2014/main" val="20000"/>
+                    </a:ext>
+                  </a:extLst>
+                </a:gridCol>
+                <a:gridCol w="1769622">
+                  <a:extLst>
+                    <a:ext uri="{9D8B030D-6E8A-4147-A177-3AD203B41FA5}">
+                      <a16:colId xmlns:a16="http://schemas.microsoft.com/office/drawing/2014/main" val="20001"/>
+                    </a:ext>
+                  </a:extLst>
+                </a:gridCol>
+              </a:tblGrid>
+              <a:tr h="234664">
+                <a:tc>
+                  <a:txBody>
+                    <a:bodyPr/>
+                    <a:lstStyle/>
+                    <a:p>
+                      <a:pPr indent="0" algn="ctr">
+                        <a:buNone/>
+                      </a:pPr>
+                      <a:r>
+                        <a:rPr lang="en-US" sz="1200" b="1" dirty="0" err="1">
+                          <a:latin typeface="宋体" panose="02010600030101010101" pitchFamily="2" charset="-122"/>
+                          <a:ea typeface="宋体" panose="02010600030101010101" pitchFamily="2" charset="-122"/>
+                          <a:cs typeface="宋体" panose="02010600030101010101" pitchFamily="2" charset="-122"/>
+                        </a:rPr>
+                        <a:t>Open表</a:t>
+                      </a:r>
+                      <a:endParaRPr lang="en-US" altLang="en-US" sz="1200" b="1" dirty="0">
+                        <a:latin typeface="宋体" panose="02010600030101010101" pitchFamily="2" charset="-122"/>
+                        <a:ea typeface="宋体" panose="02010600030101010101" pitchFamily="2" charset="-122"/>
+                        <a:cs typeface="宋体" panose="02010600030101010101" pitchFamily="2" charset="-122"/>
+                      </a:endParaRPr>
+                    </a:p>
+                  </a:txBody>
+                  <a:tcPr marL="68580" marR="68580" marT="0" marB="0">
+                    <a:lnL w="12700" cap="flat" cmpd="sng">
+                      <a:solidFill>
+                        <a:srgbClr val="080000"/>
+                      </a:solidFill>
+                      <a:prstDash val="solid"/>
+                      <a:headEnd type="none" w="med" len="med"/>
+                      <a:tailEnd type="none" w="med" len="med"/>
+                    </a:lnL>
+                    <a:lnR w="12700" cap="flat" cmpd="sng">
+                      <a:solidFill>
+                        <a:srgbClr val="080000"/>
+                      </a:solidFill>
+                      <a:prstDash val="solid"/>
+                      <a:headEnd type="none" w="med" len="med"/>
+                      <a:tailEnd type="none" w="med" len="med"/>
+                    </a:lnR>
+                    <a:lnT w="12700" cap="flat" cmpd="sng">
+                      <a:solidFill>
+                        <a:srgbClr val="080000"/>
+                      </a:solidFill>
+                      <a:prstDash val="solid"/>
+                      <a:headEnd type="none" w="med" len="med"/>
+                      <a:tailEnd type="none" w="med" len="med"/>
+                    </a:lnT>
+                    <a:lnB w="12700" cap="flat" cmpd="sng">
+                      <a:solidFill>
+                        <a:srgbClr val="080000"/>
+                      </a:solidFill>
+                      <a:prstDash val="solid"/>
+                      <a:headEnd type="none" w="med" len="med"/>
+                      <a:tailEnd type="none" w="med" len="med"/>
+                    </a:lnB>
+                    <a:lnTlToBr>
+                      <a:noFill/>
+                    </a:lnTlToBr>
+                    <a:lnBlToTr>
+                      <a:noFill/>
+                    </a:lnBlToTr>
+                    <a:noFill/>
+                  </a:tcPr>
+                </a:tc>
+                <a:tc>
+                  <a:txBody>
+                    <a:bodyPr/>
+                    <a:lstStyle/>
+                    <a:p>
+                      <a:pPr indent="0" algn="ctr">
+                        <a:buNone/>
+                      </a:pPr>
+                      <a:r>
+                        <a:rPr lang="en-US" sz="1200" b="1" dirty="0" err="1">
+                          <a:latin typeface="宋体" panose="02010600030101010101" pitchFamily="2" charset="-122"/>
+                          <a:ea typeface="宋体" panose="02010600030101010101" pitchFamily="2" charset="-122"/>
+                          <a:cs typeface="宋体" panose="02010600030101010101" pitchFamily="2" charset="-122"/>
+                        </a:rPr>
+                        <a:t>Closed表</a:t>
+                      </a:r>
+                      <a:endParaRPr lang="en-US" altLang="en-US" sz="1200" b="1" dirty="0">
+                        <a:latin typeface="宋体" panose="02010600030101010101" pitchFamily="2" charset="-122"/>
+                        <a:ea typeface="宋体" panose="02010600030101010101" pitchFamily="2" charset="-122"/>
+                        <a:cs typeface="宋体" panose="02010600030101010101" pitchFamily="2" charset="-122"/>
+                      </a:endParaRPr>
+                    </a:p>
+                  </a:txBody>
+                  <a:tcPr marL="68580" marR="68580" marT="0" marB="0">
+                    <a:lnL w="12700" cap="flat" cmpd="sng">
+                      <a:solidFill>
+                        <a:srgbClr val="080000"/>
+                      </a:solidFill>
+                      <a:prstDash val="solid"/>
+                      <a:headEnd type="none" w="med" len="med"/>
+                      <a:tailEnd type="none" w="med" len="med"/>
+                    </a:lnL>
+                    <a:lnR w="12700" cap="flat" cmpd="sng">
+                      <a:solidFill>
+                        <a:srgbClr val="080000"/>
+                      </a:solidFill>
+                      <a:prstDash val="solid"/>
+                      <a:headEnd type="none" w="med" len="med"/>
+                      <a:tailEnd type="none" w="med" len="med"/>
+                    </a:lnR>
+                    <a:lnT w="12700" cap="flat" cmpd="sng">
+                      <a:solidFill>
+                        <a:srgbClr val="080000"/>
+                      </a:solidFill>
+                      <a:prstDash val="solid"/>
+                      <a:headEnd type="none" w="med" len="med"/>
+                      <a:tailEnd type="none" w="med" len="med"/>
+                    </a:lnT>
+                    <a:lnB w="12700" cap="flat" cmpd="sng">
+                      <a:solidFill>
+                        <a:srgbClr val="080000"/>
+                      </a:solidFill>
+                      <a:prstDash val="solid"/>
+                      <a:headEnd type="none" w="med" len="med"/>
+                      <a:tailEnd type="none" w="med" len="med"/>
+                    </a:lnB>
+                    <a:lnTlToBr>
+                      <a:noFill/>
+                    </a:lnTlToBr>
+                    <a:lnBlToTr>
+                      <a:noFill/>
+                    </a:lnBlToTr>
+                    <a:noFill/>
+                  </a:tcPr>
+                </a:tc>
+                <a:extLst>
+                  <a:ext uri="{0D108BD9-81ED-4DB2-BD59-A6C34878D82A}">
+                    <a16:rowId xmlns:a16="http://schemas.microsoft.com/office/drawing/2014/main" val="10000"/>
+                  </a:ext>
+                </a:extLst>
+              </a:tr>
+              <a:tr h="189939">
+                <a:tc>
+                  <a:txBody>
+                    <a:bodyPr/>
+                    <a:lstStyle/>
+                    <a:p>
+                      <a:pPr indent="0" algn="ctr">
+                        <a:buNone/>
+                      </a:pPr>
+                      <a:r>
+                        <a:rPr lang="en-US" sz="1000" b="0" kern="1200" dirty="0" err="1">
+                          <a:solidFill>
+                            <a:schemeClr val="tx1"/>
+                          </a:solidFill>
+                          <a:latin typeface="华文楷体" panose="02010600040101010101" pitchFamily="2" charset="-122"/>
+                          <a:ea typeface="华文楷体" panose="02010600040101010101" pitchFamily="2" charset="-122"/>
+                          <a:cs typeface="Times New Roman" panose="02020603050405020304" pitchFamily="18" charset="0"/>
+                        </a:rPr>
+                        <a:t>初始化</a:t>
+                      </a:r>
+                      <a:r>
+                        <a:rPr lang="en-US" sz="1000" b="0" kern="1200" dirty="0">
+                          <a:solidFill>
+                            <a:schemeClr val="tx1"/>
+                          </a:solidFill>
+                          <a:latin typeface="华文楷体" panose="02010600040101010101" pitchFamily="2" charset="-122"/>
+                          <a:ea typeface="华文楷体" panose="02010600040101010101" pitchFamily="2" charset="-122"/>
+                          <a:cs typeface="Times New Roman" panose="02020603050405020304" pitchFamily="18" charset="0"/>
+                        </a:rPr>
+                        <a:t>：( S(4) )</a:t>
+                      </a:r>
+                      <a:endParaRPr lang="en-US" altLang="en-US" sz="1000" b="0" kern="1200" dirty="0">
+                        <a:solidFill>
+                          <a:schemeClr val="tx1"/>
+                        </a:solidFill>
+                        <a:latin typeface="华文楷体" panose="02010600040101010101" pitchFamily="2" charset="-122"/>
+                        <a:ea typeface="华文楷体" panose="02010600040101010101" pitchFamily="2" charset="-122"/>
+                        <a:cs typeface="Times New Roman" panose="02020603050405020304" pitchFamily="18" charset="0"/>
+                      </a:endParaRPr>
+                    </a:p>
+                  </a:txBody>
+                  <a:tcPr marL="68580" marR="68580" marT="0" marB="0">
+                    <a:lnL w="12700" cap="flat" cmpd="sng">
+                      <a:solidFill>
+                        <a:srgbClr val="080000"/>
+                      </a:solidFill>
+                      <a:prstDash val="solid"/>
+                      <a:headEnd type="none" w="med" len="med"/>
+                      <a:tailEnd type="none" w="med" len="med"/>
+                    </a:lnL>
+                    <a:lnR w="12700" cap="flat" cmpd="sng">
+                      <a:solidFill>
+                        <a:srgbClr val="080000"/>
+                      </a:solidFill>
+                      <a:prstDash val="solid"/>
+                      <a:headEnd type="none" w="med" len="med"/>
+                      <a:tailEnd type="none" w="med" len="med"/>
+                    </a:lnR>
+                    <a:lnT w="12700" cap="flat" cmpd="sng">
+                      <a:solidFill>
+                        <a:srgbClr val="080000"/>
+                      </a:solidFill>
+                      <a:prstDash val="solid"/>
+                      <a:headEnd type="none" w="med" len="med"/>
+                      <a:tailEnd type="none" w="med" len="med"/>
+                    </a:lnT>
+                    <a:lnB w="12700" cap="flat" cmpd="sng">
+                      <a:solidFill>
+                        <a:srgbClr val="080000"/>
+                      </a:solidFill>
+                      <a:prstDash val="solid"/>
+                      <a:headEnd type="none" w="med" len="med"/>
+                      <a:tailEnd type="none" w="med" len="med"/>
+                    </a:lnB>
+                    <a:lnTlToBr>
+                      <a:noFill/>
+                    </a:lnTlToBr>
+                    <a:lnBlToTr>
+                      <a:noFill/>
+                    </a:lnBlToTr>
+                    <a:noFill/>
+                  </a:tcPr>
+                </a:tc>
+                <a:tc>
+                  <a:txBody>
+                    <a:bodyPr/>
+                    <a:lstStyle/>
+                    <a:p>
+                      <a:pPr indent="0" algn="ctr">
+                        <a:buNone/>
+                      </a:pPr>
+                      <a:r>
+                        <a:rPr lang="en-US" sz="1000" b="0" dirty="0">
+                          <a:latin typeface="华文楷体" panose="02010600040101010101" pitchFamily="2" charset="-122"/>
+                          <a:ea typeface="华文楷体" panose="02010600040101010101" pitchFamily="2" charset="-122"/>
+                          <a:cs typeface="Times New Roman" panose="02020603050405020304" pitchFamily="18" charset="0"/>
+                        </a:rPr>
+                        <a:t>( )</a:t>
+                      </a:r>
+                      <a:endParaRPr lang="en-US" altLang="en-US" sz="1000" b="0" dirty="0">
+                        <a:latin typeface="华文楷体" panose="02010600040101010101" pitchFamily="2" charset="-122"/>
+                        <a:ea typeface="华文楷体" panose="02010600040101010101" pitchFamily="2" charset="-122"/>
+                        <a:cs typeface="Times New Roman" panose="02020603050405020304" pitchFamily="18" charset="0"/>
+                      </a:endParaRPr>
+                    </a:p>
+                  </a:txBody>
+                  <a:tcPr marL="68580" marR="68580" marT="0" marB="0">
+                    <a:lnL w="12700" cap="flat" cmpd="sng">
+                      <a:solidFill>
+                        <a:srgbClr val="080000"/>
+                      </a:solidFill>
+                      <a:prstDash val="solid"/>
+                      <a:headEnd type="none" w="med" len="med"/>
+                      <a:tailEnd type="none" w="med" len="med"/>
+                    </a:lnL>
+                    <a:lnR w="12700" cap="flat" cmpd="sng">
+                      <a:solidFill>
+                        <a:srgbClr val="080000"/>
+                      </a:solidFill>
+                      <a:prstDash val="solid"/>
+                      <a:headEnd type="none" w="med" len="med"/>
+                      <a:tailEnd type="none" w="med" len="med"/>
+                    </a:lnR>
+                    <a:lnT w="12700" cap="flat" cmpd="sng">
+                      <a:solidFill>
+                        <a:srgbClr val="080000"/>
+                      </a:solidFill>
+                      <a:prstDash val="solid"/>
+                      <a:headEnd type="none" w="med" len="med"/>
+                      <a:tailEnd type="none" w="med" len="med"/>
+                    </a:lnT>
+                    <a:lnB w="12700" cap="flat" cmpd="sng">
+                      <a:solidFill>
+                        <a:srgbClr val="080000"/>
+                      </a:solidFill>
+                      <a:prstDash val="solid"/>
+                      <a:headEnd type="none" w="med" len="med"/>
+                      <a:tailEnd type="none" w="med" len="med"/>
+                    </a:lnB>
+                    <a:lnTlToBr>
+                      <a:noFill/>
+                    </a:lnTlToBr>
+                    <a:lnBlToTr>
+                      <a:noFill/>
+                    </a:lnBlToTr>
+                    <a:noFill/>
+                  </a:tcPr>
+                </a:tc>
+                <a:extLst>
+                  <a:ext uri="{0D108BD9-81ED-4DB2-BD59-A6C34878D82A}">
+                    <a16:rowId xmlns:a16="http://schemas.microsoft.com/office/drawing/2014/main" val="10001"/>
+                  </a:ext>
+                </a:extLst>
+              </a:tr>
+              <a:tr h="189939">
+                <a:tc>
+                  <a:txBody>
+                    <a:bodyPr/>
+                    <a:lstStyle/>
+                    <a:p>
+                      <a:pPr indent="0" algn="ctr">
+                        <a:buNone/>
+                      </a:pPr>
+                      <a:r>
+                        <a:rPr lang="en-US" sz="1000" b="0" dirty="0" err="1">
+                          <a:latin typeface="华文楷体" panose="02010600040101010101" pitchFamily="2" charset="-122"/>
+                          <a:ea typeface="华文楷体" panose="02010600040101010101" pitchFamily="2" charset="-122"/>
+                          <a:cs typeface="Times New Roman" panose="02020603050405020304" pitchFamily="18" charset="0"/>
+                        </a:rPr>
+                        <a:t>一次循环后</a:t>
+                      </a:r>
+                      <a:r>
+                        <a:rPr lang="en-US" sz="1000" b="0" dirty="0">
+                          <a:latin typeface="华文楷体" panose="02010600040101010101" pitchFamily="2" charset="-122"/>
+                          <a:ea typeface="华文楷体" panose="02010600040101010101" pitchFamily="2" charset="-122"/>
+                          <a:cs typeface="Times New Roman" panose="02020603050405020304" pitchFamily="18" charset="0"/>
+                        </a:rPr>
+                        <a:t>：( A(5), B(7), C(7), D(7) )</a:t>
+                      </a:r>
+                      <a:endParaRPr lang="en-US" altLang="en-US" sz="1000" b="0" dirty="0">
+                        <a:latin typeface="华文楷体" panose="02010600040101010101" pitchFamily="2" charset="-122"/>
+                        <a:ea typeface="华文楷体" panose="02010600040101010101" pitchFamily="2" charset="-122"/>
+                        <a:cs typeface="Times New Roman" panose="02020603050405020304" pitchFamily="18" charset="0"/>
+                      </a:endParaRPr>
+                    </a:p>
+                  </a:txBody>
+                  <a:tcPr marL="68580" marR="68580" marT="0" marB="0">
+                    <a:lnL w="12700" cap="flat" cmpd="sng">
+                      <a:solidFill>
+                        <a:srgbClr val="080000"/>
+                      </a:solidFill>
+                      <a:prstDash val="solid"/>
+                      <a:headEnd type="none" w="med" len="med"/>
+                      <a:tailEnd type="none" w="med" len="med"/>
+                    </a:lnL>
+                    <a:lnR w="12700" cap="flat" cmpd="sng">
+                      <a:solidFill>
+                        <a:srgbClr val="080000"/>
+                      </a:solidFill>
+                      <a:prstDash val="solid"/>
+                      <a:headEnd type="none" w="med" len="med"/>
+                      <a:tailEnd type="none" w="med" len="med"/>
+                    </a:lnR>
+                    <a:lnT w="12700" cap="flat" cmpd="sng">
+                      <a:solidFill>
+                        <a:srgbClr val="080000"/>
+                      </a:solidFill>
+                      <a:prstDash val="solid"/>
+                      <a:headEnd type="none" w="med" len="med"/>
+                      <a:tailEnd type="none" w="med" len="med"/>
+                    </a:lnT>
+                    <a:lnB w="12700" cap="flat" cmpd="sng">
+                      <a:solidFill>
+                        <a:srgbClr val="080000"/>
+                      </a:solidFill>
+                      <a:prstDash val="solid"/>
+                      <a:headEnd type="none" w="med" len="med"/>
+                      <a:tailEnd type="none" w="med" len="med"/>
+                    </a:lnB>
+                    <a:lnTlToBr>
+                      <a:noFill/>
+                    </a:lnTlToBr>
+                    <a:lnBlToTr>
+                      <a:noFill/>
+                    </a:lnBlToTr>
+                    <a:noFill/>
+                  </a:tcPr>
+                </a:tc>
+                <a:tc>
+                  <a:txBody>
+                    <a:bodyPr/>
+                    <a:lstStyle/>
+                    <a:p>
+                      <a:pPr indent="0" algn="ctr">
+                        <a:buNone/>
+                      </a:pPr>
+                      <a:r>
+                        <a:rPr lang="en-US" sz="1000" b="0">
+                          <a:latin typeface="华文楷体" panose="02010600040101010101" pitchFamily="2" charset="-122"/>
+                          <a:ea typeface="华文楷体" panose="02010600040101010101" pitchFamily="2" charset="-122"/>
+                          <a:cs typeface="Times New Roman" panose="02020603050405020304" pitchFamily="18" charset="0"/>
+                        </a:rPr>
+                        <a:t>( S(4) )</a:t>
+                      </a:r>
+                      <a:endParaRPr lang="en-US" altLang="en-US" sz="1000" b="0">
+                        <a:latin typeface="华文楷体" panose="02010600040101010101" pitchFamily="2" charset="-122"/>
+                        <a:ea typeface="华文楷体" panose="02010600040101010101" pitchFamily="2" charset="-122"/>
+                        <a:cs typeface="Times New Roman" panose="02020603050405020304" pitchFamily="18" charset="0"/>
+                      </a:endParaRPr>
+                    </a:p>
+                  </a:txBody>
+                  <a:tcPr marL="68580" marR="68580" marT="0" marB="0">
+                    <a:lnL w="12700" cap="flat" cmpd="sng">
+                      <a:solidFill>
+                        <a:srgbClr val="080000"/>
+                      </a:solidFill>
+                      <a:prstDash val="solid"/>
+                      <a:headEnd type="none" w="med" len="med"/>
+                      <a:tailEnd type="none" w="med" len="med"/>
+                    </a:lnL>
+                    <a:lnR w="12700" cap="flat" cmpd="sng">
+                      <a:solidFill>
+                        <a:srgbClr val="080000"/>
+                      </a:solidFill>
+                      <a:prstDash val="solid"/>
+                      <a:headEnd type="none" w="med" len="med"/>
+                      <a:tailEnd type="none" w="med" len="med"/>
+                    </a:lnR>
+                    <a:lnT w="12700" cap="flat" cmpd="sng">
+                      <a:solidFill>
+                        <a:srgbClr val="080000"/>
+                      </a:solidFill>
+                      <a:prstDash val="solid"/>
+                      <a:headEnd type="none" w="med" len="med"/>
+                      <a:tailEnd type="none" w="med" len="med"/>
+                    </a:lnT>
+                    <a:lnB w="12700" cap="flat" cmpd="sng">
+                      <a:solidFill>
+                        <a:srgbClr val="080000"/>
+                      </a:solidFill>
+                      <a:prstDash val="solid"/>
+                      <a:headEnd type="none" w="med" len="med"/>
+                      <a:tailEnd type="none" w="med" len="med"/>
+                    </a:lnB>
+                    <a:lnTlToBr>
+                      <a:noFill/>
+                    </a:lnTlToBr>
+                    <a:lnBlToTr>
+                      <a:noFill/>
+                    </a:lnBlToTr>
+                    <a:noFill/>
+                  </a:tcPr>
+                </a:tc>
+                <a:extLst>
+                  <a:ext uri="{0D108BD9-81ED-4DB2-BD59-A6C34878D82A}">
+                    <a16:rowId xmlns:a16="http://schemas.microsoft.com/office/drawing/2014/main" val="10002"/>
+                  </a:ext>
+                </a:extLst>
+              </a:tr>
+              <a:tr h="189939">
+                <a:tc>
+                  <a:txBody>
+                    <a:bodyPr/>
+                    <a:lstStyle/>
+                    <a:p>
+                      <a:pPr indent="0" algn="ctr">
+                        <a:buNone/>
+                      </a:pPr>
+                      <a:r>
+                        <a:rPr lang="en-US" sz="1000" b="0">
+                          <a:latin typeface="华文楷体" panose="02010600040101010101" pitchFamily="2" charset="-122"/>
+                          <a:ea typeface="华文楷体" panose="02010600040101010101" pitchFamily="2" charset="-122"/>
+                          <a:cs typeface="Times New Roman" panose="02020603050405020304" pitchFamily="18" charset="0"/>
+                        </a:rPr>
+                        <a:t>二次循环后：( E(6), B(7), C(7), D(7), F(8) )</a:t>
+                      </a:r>
+                      <a:endParaRPr lang="en-US" altLang="en-US" sz="1000" b="0">
+                        <a:latin typeface="华文楷体" panose="02010600040101010101" pitchFamily="2" charset="-122"/>
+                        <a:ea typeface="华文楷体" panose="02010600040101010101" pitchFamily="2" charset="-122"/>
+                        <a:cs typeface="Times New Roman" panose="02020603050405020304" pitchFamily="18" charset="0"/>
+                      </a:endParaRPr>
+                    </a:p>
+                  </a:txBody>
+                  <a:tcPr marL="68580" marR="68580" marT="0" marB="0">
+                    <a:lnL w="12700" cap="flat" cmpd="sng">
+                      <a:solidFill>
+                        <a:srgbClr val="080000"/>
+                      </a:solidFill>
+                      <a:prstDash val="solid"/>
+                      <a:headEnd type="none" w="med" len="med"/>
+                      <a:tailEnd type="none" w="med" len="med"/>
+                    </a:lnL>
+                    <a:lnR w="12700" cap="flat" cmpd="sng">
+                      <a:solidFill>
+                        <a:srgbClr val="080000"/>
+                      </a:solidFill>
+                      <a:prstDash val="solid"/>
+                      <a:headEnd type="none" w="med" len="med"/>
+                      <a:tailEnd type="none" w="med" len="med"/>
+                    </a:lnR>
+                    <a:lnT w="12700" cap="flat" cmpd="sng">
+                      <a:solidFill>
+                        <a:srgbClr val="080000"/>
+                      </a:solidFill>
+                      <a:prstDash val="solid"/>
+                      <a:headEnd type="none" w="med" len="med"/>
+                      <a:tailEnd type="none" w="med" len="med"/>
+                    </a:lnT>
+                    <a:lnB w="12700" cap="flat" cmpd="sng">
+                      <a:solidFill>
+                        <a:srgbClr val="080000"/>
+                      </a:solidFill>
+                      <a:prstDash val="solid"/>
+                      <a:headEnd type="none" w="med" len="med"/>
+                      <a:tailEnd type="none" w="med" len="med"/>
+                    </a:lnB>
+                    <a:lnTlToBr>
+                      <a:noFill/>
+                    </a:lnTlToBr>
+                    <a:lnBlToTr>
+                      <a:noFill/>
+                    </a:lnBlToTr>
+                    <a:noFill/>
+                  </a:tcPr>
+                </a:tc>
+                <a:tc>
+                  <a:txBody>
+                    <a:bodyPr/>
+                    <a:lstStyle/>
+                    <a:p>
+                      <a:pPr indent="0" algn="ctr">
+                        <a:buNone/>
+                      </a:pPr>
+                      <a:r>
+                        <a:rPr lang="en-US" sz="1000" b="0">
+                          <a:latin typeface="华文楷体" panose="02010600040101010101" pitchFamily="2" charset="-122"/>
+                          <a:ea typeface="华文楷体" panose="02010600040101010101" pitchFamily="2" charset="-122"/>
+                          <a:cs typeface="Times New Roman" panose="02020603050405020304" pitchFamily="18" charset="0"/>
+                        </a:rPr>
+                        <a:t>( S(4), A(5) )</a:t>
+                      </a:r>
+                      <a:endParaRPr lang="en-US" altLang="en-US" sz="1000" b="0">
+                        <a:latin typeface="华文楷体" panose="02010600040101010101" pitchFamily="2" charset="-122"/>
+                        <a:ea typeface="华文楷体" panose="02010600040101010101" pitchFamily="2" charset="-122"/>
+                        <a:cs typeface="Times New Roman" panose="02020603050405020304" pitchFamily="18" charset="0"/>
+                      </a:endParaRPr>
+                    </a:p>
+                  </a:txBody>
+                  <a:tcPr marL="68580" marR="68580" marT="0" marB="0">
+                    <a:lnL w="12700" cap="flat" cmpd="sng">
+                      <a:solidFill>
+                        <a:srgbClr val="080000"/>
+                      </a:solidFill>
+                      <a:prstDash val="solid"/>
+                      <a:headEnd type="none" w="med" len="med"/>
+                      <a:tailEnd type="none" w="med" len="med"/>
+                    </a:lnL>
+                    <a:lnR w="12700" cap="flat" cmpd="sng">
+                      <a:solidFill>
+                        <a:srgbClr val="080000"/>
+                      </a:solidFill>
+                      <a:prstDash val="solid"/>
+                      <a:headEnd type="none" w="med" len="med"/>
+                      <a:tailEnd type="none" w="med" len="med"/>
+                    </a:lnR>
+                    <a:lnT w="12700" cap="flat" cmpd="sng">
+                      <a:solidFill>
+                        <a:srgbClr val="080000"/>
+                      </a:solidFill>
+                      <a:prstDash val="solid"/>
+                      <a:headEnd type="none" w="med" len="med"/>
+                      <a:tailEnd type="none" w="med" len="med"/>
+                    </a:lnT>
+                    <a:lnB w="12700" cap="flat" cmpd="sng">
+                      <a:solidFill>
+                        <a:srgbClr val="080000"/>
+                      </a:solidFill>
+                      <a:prstDash val="solid"/>
+                      <a:headEnd type="none" w="med" len="med"/>
+                      <a:tailEnd type="none" w="med" len="med"/>
+                    </a:lnB>
+                    <a:lnTlToBr>
+                      <a:noFill/>
+                    </a:lnTlToBr>
+                    <a:lnBlToTr>
+                      <a:noFill/>
+                    </a:lnBlToTr>
+                    <a:noFill/>
+                  </a:tcPr>
+                </a:tc>
+                <a:extLst>
+                  <a:ext uri="{0D108BD9-81ED-4DB2-BD59-A6C34878D82A}">
+                    <a16:rowId xmlns:a16="http://schemas.microsoft.com/office/drawing/2014/main" val="10003"/>
+                  </a:ext>
+                </a:extLst>
+              </a:tr>
+              <a:tr h="189939">
+                <a:tc>
+                  <a:txBody>
+                    <a:bodyPr/>
+                    <a:lstStyle/>
+                    <a:p>
+                      <a:pPr indent="0" algn="ctr">
+                        <a:buNone/>
+                      </a:pPr>
+                      <a:r>
+                        <a:rPr lang="en-US" sz="1000" b="0">
+                          <a:latin typeface="华文楷体" panose="02010600040101010101" pitchFamily="2" charset="-122"/>
+                          <a:ea typeface="华文楷体" panose="02010600040101010101" pitchFamily="2" charset="-122"/>
+                          <a:cs typeface="Times New Roman" panose="02020603050405020304" pitchFamily="18" charset="0"/>
+                        </a:rPr>
+                        <a:t>三次循环后：( G(5), B(7), C(7), D(7), F(8) )</a:t>
+                      </a:r>
+                      <a:endParaRPr lang="en-US" altLang="en-US" sz="1000" b="0">
+                        <a:latin typeface="华文楷体" panose="02010600040101010101" pitchFamily="2" charset="-122"/>
+                        <a:ea typeface="华文楷体" panose="02010600040101010101" pitchFamily="2" charset="-122"/>
+                        <a:cs typeface="Times New Roman" panose="02020603050405020304" pitchFamily="18" charset="0"/>
+                      </a:endParaRPr>
+                    </a:p>
+                  </a:txBody>
+                  <a:tcPr marL="68580" marR="68580" marT="0" marB="0">
+                    <a:lnL w="12700" cap="flat" cmpd="sng">
+                      <a:solidFill>
+                        <a:srgbClr val="080000"/>
+                      </a:solidFill>
+                      <a:prstDash val="solid"/>
+                      <a:headEnd type="none" w="med" len="med"/>
+                      <a:tailEnd type="none" w="med" len="med"/>
+                    </a:lnL>
+                    <a:lnR w="12700" cap="flat" cmpd="sng">
+                      <a:solidFill>
+                        <a:srgbClr val="080000"/>
+                      </a:solidFill>
+                      <a:prstDash val="solid"/>
+                      <a:headEnd type="none" w="med" len="med"/>
+                      <a:tailEnd type="none" w="med" len="med"/>
+                    </a:lnR>
+                    <a:lnT w="12700" cap="flat" cmpd="sng">
+                      <a:solidFill>
+                        <a:srgbClr val="080000"/>
+                      </a:solidFill>
+                      <a:prstDash val="solid"/>
+                      <a:headEnd type="none" w="med" len="med"/>
+                      <a:tailEnd type="none" w="med" len="med"/>
+                    </a:lnT>
+                    <a:lnB w="12700" cap="flat" cmpd="sng">
+                      <a:solidFill>
+                        <a:srgbClr val="080000"/>
+                      </a:solidFill>
+                      <a:prstDash val="solid"/>
+                      <a:headEnd type="none" w="med" len="med"/>
+                      <a:tailEnd type="none" w="med" len="med"/>
+                    </a:lnB>
+                    <a:lnTlToBr>
+                      <a:noFill/>
+                    </a:lnTlToBr>
+                    <a:lnBlToTr>
+                      <a:noFill/>
+                    </a:lnBlToTr>
+                    <a:noFill/>
+                  </a:tcPr>
+                </a:tc>
+                <a:tc>
+                  <a:txBody>
+                    <a:bodyPr/>
+                    <a:lstStyle/>
+                    <a:p>
+                      <a:pPr indent="0" algn="ctr">
+                        <a:buNone/>
+                      </a:pPr>
+                      <a:r>
+                        <a:rPr lang="en-US" sz="1000" b="0">
+                          <a:latin typeface="华文楷体" panose="02010600040101010101" pitchFamily="2" charset="-122"/>
+                          <a:ea typeface="华文楷体" panose="02010600040101010101" pitchFamily="2" charset="-122"/>
+                          <a:cs typeface="Times New Roman" panose="02020603050405020304" pitchFamily="18" charset="0"/>
+                        </a:rPr>
+                        <a:t>( S(4), A(5), E(6) )</a:t>
+                      </a:r>
+                      <a:endParaRPr lang="en-US" altLang="en-US" sz="1000" b="0">
+                        <a:latin typeface="华文楷体" panose="02010600040101010101" pitchFamily="2" charset="-122"/>
+                        <a:ea typeface="华文楷体" panose="02010600040101010101" pitchFamily="2" charset="-122"/>
+                        <a:cs typeface="Times New Roman" panose="02020603050405020304" pitchFamily="18" charset="0"/>
+                      </a:endParaRPr>
+                    </a:p>
+                  </a:txBody>
+                  <a:tcPr marL="68580" marR="68580" marT="0" marB="0">
+                    <a:lnL w="12700" cap="flat" cmpd="sng">
+                      <a:solidFill>
+                        <a:srgbClr val="080000"/>
+                      </a:solidFill>
+                      <a:prstDash val="solid"/>
+                      <a:headEnd type="none" w="med" len="med"/>
+                      <a:tailEnd type="none" w="med" len="med"/>
+                    </a:lnL>
+                    <a:lnR w="12700" cap="flat" cmpd="sng">
+                      <a:solidFill>
+                        <a:srgbClr val="080000"/>
+                      </a:solidFill>
+                      <a:prstDash val="solid"/>
+                      <a:headEnd type="none" w="med" len="med"/>
+                      <a:tailEnd type="none" w="med" len="med"/>
+                    </a:lnR>
+                    <a:lnT w="12700" cap="flat" cmpd="sng">
+                      <a:solidFill>
+                        <a:srgbClr val="080000"/>
+                      </a:solidFill>
+                      <a:prstDash val="solid"/>
+                      <a:headEnd type="none" w="med" len="med"/>
+                      <a:tailEnd type="none" w="med" len="med"/>
+                    </a:lnT>
+                    <a:lnB w="12700" cap="flat" cmpd="sng">
+                      <a:solidFill>
+                        <a:srgbClr val="080000"/>
+                      </a:solidFill>
+                      <a:prstDash val="solid"/>
+                      <a:headEnd type="none" w="med" len="med"/>
+                      <a:tailEnd type="none" w="med" len="med"/>
+                    </a:lnB>
+                    <a:lnTlToBr>
+                      <a:noFill/>
+                    </a:lnTlToBr>
+                    <a:lnBlToTr>
+                      <a:noFill/>
+                    </a:lnBlToTr>
+                    <a:noFill/>
+                  </a:tcPr>
+                </a:tc>
+                <a:extLst>
+                  <a:ext uri="{0D108BD9-81ED-4DB2-BD59-A6C34878D82A}">
+                    <a16:rowId xmlns:a16="http://schemas.microsoft.com/office/drawing/2014/main" val="10004"/>
+                  </a:ext>
+                </a:extLst>
+              </a:tr>
+              <a:tr h="189939">
+                <a:tc>
+                  <a:txBody>
+                    <a:bodyPr/>
+                    <a:lstStyle/>
+                    <a:p>
+                      <a:pPr indent="0">
+                        <a:buNone/>
+                      </a:pPr>
+                      <a:r>
+                        <a:rPr lang="en-US" sz="1000" b="0">
+                          <a:latin typeface="华文楷体" panose="02010600040101010101" pitchFamily="2" charset="-122"/>
+                          <a:ea typeface="华文楷体" panose="02010600040101010101" pitchFamily="2" charset="-122"/>
+                          <a:cs typeface="Times New Roman" panose="02020603050405020304" pitchFamily="18" charset="0"/>
+                        </a:rPr>
+                        <a:t>四次循环后：( H(4), B(7), C(7), D(7), F(8), I(8) )</a:t>
+                      </a:r>
+                      <a:endParaRPr lang="en-US" altLang="en-US" sz="1000" b="0">
+                        <a:latin typeface="华文楷体" panose="02010600040101010101" pitchFamily="2" charset="-122"/>
+                        <a:ea typeface="华文楷体" panose="02010600040101010101" pitchFamily="2" charset="-122"/>
+                        <a:cs typeface="Times New Roman" panose="02020603050405020304" pitchFamily="18" charset="0"/>
+                      </a:endParaRPr>
+                    </a:p>
+                  </a:txBody>
+                  <a:tcPr marL="68580" marR="68580" marT="0" marB="0">
+                    <a:lnL w="12700" cap="flat" cmpd="sng">
+                      <a:solidFill>
+                        <a:srgbClr val="080000"/>
+                      </a:solidFill>
+                      <a:prstDash val="solid"/>
+                      <a:headEnd type="none" w="med" len="med"/>
+                      <a:tailEnd type="none" w="med" len="med"/>
+                    </a:lnL>
+                    <a:lnR w="12700" cap="flat" cmpd="sng">
+                      <a:solidFill>
+                        <a:srgbClr val="080000"/>
+                      </a:solidFill>
+                      <a:prstDash val="solid"/>
+                      <a:headEnd type="none" w="med" len="med"/>
+                      <a:tailEnd type="none" w="med" len="med"/>
+                    </a:lnR>
+                    <a:lnT w="12700" cap="flat" cmpd="sng">
+                      <a:solidFill>
+                        <a:srgbClr val="080000"/>
+                      </a:solidFill>
+                      <a:prstDash val="solid"/>
+                      <a:headEnd type="none" w="med" len="med"/>
+                      <a:tailEnd type="none" w="med" len="med"/>
+                    </a:lnT>
+                    <a:lnB w="12700" cap="flat" cmpd="sng">
+                      <a:solidFill>
+                        <a:srgbClr val="080000"/>
+                      </a:solidFill>
+                      <a:prstDash val="solid"/>
+                      <a:headEnd type="none" w="med" len="med"/>
+                      <a:tailEnd type="none" w="med" len="med"/>
+                    </a:lnB>
+                    <a:lnTlToBr>
+                      <a:noFill/>
+                    </a:lnTlToBr>
+                    <a:lnBlToTr>
+                      <a:noFill/>
+                    </a:lnBlToTr>
+                    <a:noFill/>
+                  </a:tcPr>
+                </a:tc>
+                <a:tc>
+                  <a:txBody>
+                    <a:bodyPr/>
+                    <a:lstStyle/>
+                    <a:p>
+                      <a:pPr indent="0" algn="ctr">
+                        <a:buNone/>
+                      </a:pPr>
+                      <a:r>
+                        <a:rPr lang="en-US" sz="1000" b="0">
+                          <a:latin typeface="华文楷体" panose="02010600040101010101" pitchFamily="2" charset="-122"/>
+                          <a:ea typeface="华文楷体" panose="02010600040101010101" pitchFamily="2" charset="-122"/>
+                          <a:cs typeface="Times New Roman" panose="02020603050405020304" pitchFamily="18" charset="0"/>
+                        </a:rPr>
+                        <a:t>( S(4), A(5), E(6), G(5) )</a:t>
+                      </a:r>
+                      <a:endParaRPr lang="en-US" altLang="en-US" sz="1000" b="0">
+                        <a:latin typeface="华文楷体" panose="02010600040101010101" pitchFamily="2" charset="-122"/>
+                        <a:ea typeface="华文楷体" panose="02010600040101010101" pitchFamily="2" charset="-122"/>
+                        <a:cs typeface="Times New Roman" panose="02020603050405020304" pitchFamily="18" charset="0"/>
+                      </a:endParaRPr>
+                    </a:p>
+                  </a:txBody>
+                  <a:tcPr marL="68580" marR="68580" marT="0" marB="0">
+                    <a:lnL w="12700" cap="flat" cmpd="sng">
+                      <a:solidFill>
+                        <a:srgbClr val="080000"/>
+                      </a:solidFill>
+                      <a:prstDash val="solid"/>
+                      <a:headEnd type="none" w="med" len="med"/>
+                      <a:tailEnd type="none" w="med" len="med"/>
+                    </a:lnL>
+                    <a:lnR w="12700" cap="flat" cmpd="sng">
+                      <a:solidFill>
+                        <a:srgbClr val="080000"/>
+                      </a:solidFill>
+                      <a:prstDash val="solid"/>
+                      <a:headEnd type="none" w="med" len="med"/>
+                      <a:tailEnd type="none" w="med" len="med"/>
+                    </a:lnR>
+                    <a:lnT w="12700" cap="flat" cmpd="sng">
+                      <a:solidFill>
+                        <a:srgbClr val="080000"/>
+                      </a:solidFill>
+                      <a:prstDash val="solid"/>
+                      <a:headEnd type="none" w="med" len="med"/>
+                      <a:tailEnd type="none" w="med" len="med"/>
+                    </a:lnT>
+                    <a:lnB w="12700" cap="flat" cmpd="sng">
+                      <a:solidFill>
+                        <a:srgbClr val="080000"/>
+                      </a:solidFill>
+                      <a:prstDash val="solid"/>
+                      <a:headEnd type="none" w="med" len="med"/>
+                      <a:tailEnd type="none" w="med" len="med"/>
+                    </a:lnB>
+                    <a:lnTlToBr>
+                      <a:noFill/>
+                    </a:lnTlToBr>
+                    <a:lnBlToTr>
+                      <a:noFill/>
+                    </a:lnBlToTr>
+                    <a:noFill/>
+                  </a:tcPr>
+                </a:tc>
+                <a:extLst>
+                  <a:ext uri="{0D108BD9-81ED-4DB2-BD59-A6C34878D82A}">
+                    <a16:rowId xmlns:a16="http://schemas.microsoft.com/office/drawing/2014/main" val="10005"/>
+                  </a:ext>
+                </a:extLst>
+              </a:tr>
+              <a:tr h="329292">
+                <a:tc>
+                  <a:txBody>
+                    <a:bodyPr/>
+                    <a:lstStyle/>
+                    <a:p>
+                      <a:pPr indent="0" algn="ctr">
+                        <a:buNone/>
+                      </a:pPr>
+                      <a:r>
+                        <a:rPr lang="en-US" sz="1000" b="0" dirty="0" err="1">
+                          <a:latin typeface="华文楷体" panose="02010600040101010101" pitchFamily="2" charset="-122"/>
+                          <a:ea typeface="华文楷体" panose="02010600040101010101" pitchFamily="2" charset="-122"/>
+                          <a:cs typeface="Times New Roman" panose="02020603050405020304" pitchFamily="18" charset="0"/>
+                        </a:rPr>
+                        <a:t>五次循环后：H为目的状态，搜索成功</a:t>
+                      </a:r>
+                      <a:endParaRPr lang="en-US" altLang="en-US" sz="1000" b="0" dirty="0">
+                        <a:latin typeface="华文楷体" panose="02010600040101010101" pitchFamily="2" charset="-122"/>
+                        <a:ea typeface="华文楷体" panose="02010600040101010101" pitchFamily="2" charset="-122"/>
+                        <a:cs typeface="Times New Roman" panose="02020603050405020304" pitchFamily="18" charset="0"/>
+                      </a:endParaRPr>
+                    </a:p>
+                  </a:txBody>
+                  <a:tcPr marL="68580" marR="68580" marT="0" marB="0">
+                    <a:lnL w="12700" cap="flat" cmpd="sng">
+                      <a:solidFill>
+                        <a:srgbClr val="080000"/>
+                      </a:solidFill>
+                      <a:prstDash val="solid"/>
+                      <a:headEnd type="none" w="med" len="med"/>
+                      <a:tailEnd type="none" w="med" len="med"/>
+                    </a:lnL>
+                    <a:lnR w="12700" cap="flat" cmpd="sng">
+                      <a:solidFill>
+                        <a:srgbClr val="080000"/>
+                      </a:solidFill>
+                      <a:prstDash val="solid"/>
+                      <a:headEnd type="none" w="med" len="med"/>
+                      <a:tailEnd type="none" w="med" len="med"/>
+                    </a:lnR>
+                    <a:lnT w="12700" cap="flat" cmpd="sng">
+                      <a:solidFill>
+                        <a:srgbClr val="080000"/>
+                      </a:solidFill>
+                      <a:prstDash val="solid"/>
+                      <a:headEnd type="none" w="med" len="med"/>
+                      <a:tailEnd type="none" w="med" len="med"/>
+                    </a:lnT>
+                    <a:lnB w="12700" cap="flat" cmpd="sng">
+                      <a:solidFill>
+                        <a:srgbClr val="080000"/>
+                      </a:solidFill>
+                      <a:prstDash val="solid"/>
+                      <a:headEnd type="none" w="med" len="med"/>
+                      <a:tailEnd type="none" w="med" len="med"/>
+                    </a:lnB>
+                    <a:lnTlToBr>
+                      <a:noFill/>
+                    </a:lnTlToBr>
+                    <a:lnBlToTr>
+                      <a:noFill/>
+                    </a:lnBlToTr>
+                    <a:noFill/>
+                  </a:tcPr>
+                </a:tc>
+                <a:tc>
+                  <a:txBody>
+                    <a:bodyPr/>
+                    <a:lstStyle/>
+                    <a:p>
+                      <a:pPr indent="0" algn="ctr">
+                        <a:buNone/>
+                      </a:pPr>
+                      <a:r>
+                        <a:rPr lang="en-US" sz="1000" b="0" dirty="0">
+                          <a:latin typeface="华文楷体" panose="02010600040101010101" pitchFamily="2" charset="-122"/>
+                          <a:ea typeface="华文楷体" panose="02010600040101010101" pitchFamily="2" charset="-122"/>
+                          <a:cs typeface="Times New Roman" panose="02020603050405020304" pitchFamily="18" charset="0"/>
+                        </a:rPr>
+                        <a:t>(S(4), A(5), E(6), G(5), H(4) )</a:t>
+                      </a:r>
+                      <a:endParaRPr lang="en-US" altLang="en-US" sz="1000" b="0" dirty="0">
+                        <a:latin typeface="华文楷体" panose="02010600040101010101" pitchFamily="2" charset="-122"/>
+                        <a:ea typeface="华文楷体" panose="02010600040101010101" pitchFamily="2" charset="-122"/>
+                        <a:cs typeface="Times New Roman" panose="02020603050405020304" pitchFamily="18" charset="0"/>
+                      </a:endParaRPr>
+                    </a:p>
+                  </a:txBody>
+                  <a:tcPr marL="68580" marR="68580" marT="0" marB="0">
+                    <a:lnL w="12700" cap="flat" cmpd="sng">
+                      <a:solidFill>
+                        <a:srgbClr val="080000"/>
+                      </a:solidFill>
+                      <a:prstDash val="solid"/>
+                      <a:headEnd type="none" w="med" len="med"/>
+                      <a:tailEnd type="none" w="med" len="med"/>
+                    </a:lnL>
+                    <a:lnR w="12700" cap="flat" cmpd="sng">
+                      <a:solidFill>
+                        <a:srgbClr val="080000"/>
+                      </a:solidFill>
+                      <a:prstDash val="solid"/>
+                      <a:headEnd type="none" w="med" len="med"/>
+                      <a:tailEnd type="none" w="med" len="med"/>
+                    </a:lnR>
+                    <a:lnT w="12700" cap="flat" cmpd="sng">
+                      <a:solidFill>
+                        <a:srgbClr val="080000"/>
+                      </a:solidFill>
+                      <a:prstDash val="solid"/>
+                      <a:headEnd type="none" w="med" len="med"/>
+                      <a:tailEnd type="none" w="med" len="med"/>
+                    </a:lnT>
+                    <a:lnB w="12700" cap="flat" cmpd="sng">
+                      <a:solidFill>
+                        <a:srgbClr val="080000"/>
+                      </a:solidFill>
+                      <a:prstDash val="solid"/>
+                      <a:headEnd type="none" w="med" len="med"/>
+                      <a:tailEnd type="none" w="med" len="med"/>
+                    </a:lnB>
+                    <a:lnTlToBr>
+                      <a:noFill/>
+                    </a:lnTlToBr>
+                    <a:lnBlToTr>
+                      <a:noFill/>
+                    </a:lnBlToTr>
+                    <a:noFill/>
+                  </a:tcPr>
+                </a:tc>
+                <a:extLst>
+                  <a:ext uri="{0D108BD9-81ED-4DB2-BD59-A6C34878D82A}">
+                    <a16:rowId xmlns:a16="http://schemas.microsoft.com/office/drawing/2014/main" val="10006"/>
+                  </a:ext>
+                </a:extLst>
+              </a:tr>
+            </a:tbl>
+          </a:graphicData>
+        </a:graphic>
+      </p:graphicFrame>
+    </p:spTree>
+  </p:cSld>
+  <p:clrMapOvr>
+    <a:masterClrMapping/>
+  </p:clrMapOvr>
+</p:sld>
+</file>
+
+<file path=ppt/slides/slide8.xml><?xml version="1.0" encoding="utf-8"?>
+<p:sld xmlns:a="http://schemas.openxmlformats.org/drawingml/2006/main" xmlns:r="http://schemas.openxmlformats.org/officeDocument/2006/relationships" xmlns:p="http://schemas.openxmlformats.org/presentationml/2006/main">
+  <p:cSld>
+    <p:spTree>
+      <p:nvGrpSpPr>
+        <p:cNvPr id="1" name=""/>
+        <p:cNvGrpSpPr/>
+        <p:nvPr/>
+      </p:nvGrpSpPr>
+      <p:grpSpPr>
+        <a:xfrm>
+          <a:off x="0" y="0"/>
+          <a:ext cx="0" cy="0"/>
+          <a:chOff x="0" y="0"/>
+          <a:chExt cx="0" cy="0"/>
+        </a:xfrm>
+      </p:grpSpPr>
       <p:sp>
         <p:nvSpPr>
-          <p:cNvPr id="100" name="文本框 99"/>
+          <p:cNvPr id="14" name="Title 1"/>
+          <p:cNvSpPr>
+            <a:spLocks noGrp="1"/>
+          </p:cNvSpPr>
+          <p:nvPr>
+            <p:ph type="title"/>
+          </p:nvPr>
+        </p:nvSpPr>
+        <p:spPr>
+          <a:xfrm>
+            <a:off x="1547664" y="267494"/>
+            <a:ext cx="4320480" cy="534771"/>
+          </a:xfrm>
+        </p:spPr>
+        <p:txBody>
+          <a:bodyPr/>
+          <a:lstStyle/>
+          <a:p>
+            <a:r>
+              <a:rPr lang="en-US" altLang="zh-CN" sz="2800" dirty="0">
+                <a:latin typeface="华文楷体" panose="02010600040101010101" pitchFamily="2" charset="-122"/>
+                <a:ea typeface="华文楷体" panose="02010600040101010101" pitchFamily="2" charset="-122"/>
+              </a:rPr>
+              <a:t>5.</a:t>
+            </a:r>
+            <a:r>
+              <a:rPr lang="zh-CN" altLang="en-US" sz="2800" dirty="0">
+                <a:latin typeface="华文楷体" panose="02010600040101010101" pitchFamily="2" charset="-122"/>
+                <a:ea typeface="华文楷体" panose="02010600040101010101" pitchFamily="2" charset="-122"/>
+              </a:rPr>
+              <a:t>样例动态分析</a:t>
+            </a:r>
+            <a:endParaRPr lang="ko-KR" altLang="en-US" sz="2800" dirty="0">
+              <a:latin typeface="华文楷体" panose="02010600040101010101" pitchFamily="2" charset="-122"/>
+            </a:endParaRPr>
+          </a:p>
+        </p:txBody>
+      </p:sp>
+      <p:sp>
+        <p:nvSpPr>
+          <p:cNvPr id="29" name="文本框 28">
+            <a:extLst>
+              <a:ext uri="{FF2B5EF4-FFF2-40B4-BE49-F238E27FC236}">
+                <a16:creationId xmlns:a16="http://schemas.microsoft.com/office/drawing/2014/main" id="{8607BFD4-37E7-4FB6-B30C-5E4628B27041}"/>
+              </a:ext>
+            </a:extLst>
+          </p:cNvPr>
           <p:cNvSpPr txBox="1"/>
           <p:nvPr/>
         </p:nvSpPr>
         <p:spPr>
           <a:xfrm>
-            <a:off x="2006262" y="1916227"/>
+            <a:off x="1606018" y="1774974"/>
             <a:ext cx="883285" cy="275590"/>
           </a:xfrm>
           <a:prstGeom prst="rect">
@@ -28326,19 +29560,25 @@
           <a:p>
             <a:pPr indent="0" algn="ctr"/>
             <a:r>
-              <a:rPr lang="zh-CN" sz="1200" b="1" dirty="0">
+              <a:rPr lang="zh-CN" sz="1200" b="1">
                 <a:latin typeface="Times New Roman" panose="02020603050405020304" pitchFamily="18" charset="0"/>
                 <a:ea typeface="宋体" panose="02010600030101010101" pitchFamily="2" charset="-122"/>
               </a:rPr>
               <a:t>初始状态</a:t>
             </a:r>
-            <a:endParaRPr lang="zh-CN" altLang="en-US" dirty="0"/>
+            <a:endParaRPr lang="zh-CN" altLang="en-US"/>
           </a:p>
         </p:txBody>
       </p:sp>
       <p:graphicFrame>
         <p:nvGraphicFramePr>
-          <p:cNvPr id="6" name="表格 5"/>
+          <p:cNvPr id="31" name="表格 30">
+            <a:extLst>
+              <a:ext uri="{FF2B5EF4-FFF2-40B4-BE49-F238E27FC236}">
+                <a16:creationId xmlns:a16="http://schemas.microsoft.com/office/drawing/2014/main" id="{275DB558-AAAC-46B6-BEFE-87F5D934ACE6}"/>
+              </a:ext>
+            </a:extLst>
+          </p:cNvPr>
           <p:cNvGraphicFramePr/>
           <p:nvPr>
             <p:custDataLst>
@@ -28346,13 +29586,13 @@
             </p:custDataLst>
             <p:extLst>
               <p:ext uri="{D42A27DB-BD31-4B8C-83A1-F6EECF244321}">
-                <p14:modId xmlns:p14="http://schemas.microsoft.com/office/powerpoint/2010/main" val="470349715"/>
+                <p14:modId xmlns:p14="http://schemas.microsoft.com/office/powerpoint/2010/main" val="3429790257"/>
               </p:ext>
             </p:extLst>
           </p:nvPr>
         </p:nvGraphicFramePr>
         <p:xfrm>
-          <a:off x="1838622" y="1128827"/>
+          <a:off x="1438378" y="987574"/>
           <a:ext cx="1217613" cy="787400"/>
         </p:xfrm>
         <a:graphic>
@@ -28394,18 +29634,13 @@
                         <a:buNone/>
                       </a:pPr>
                       <a:r>
-                        <a:rPr lang="en-US" sz="1200" b="1">
+                        <a:rPr lang="en-US" altLang="en-US" sz="1200" b="1" dirty="0">
                           <a:latin typeface="宋体" panose="02010600030101010101" pitchFamily="2" charset="-122"/>
                           <a:ea typeface="宋体" panose="02010600030101010101" pitchFamily="2" charset="-122"/>
                           <a:cs typeface="宋体" panose="02010600030101010101" pitchFamily="2" charset="-122"/>
                         </a:rPr>
                         <a:t>2</a:t>
                       </a:r>
-                      <a:endParaRPr lang="en-US" altLang="en-US" sz="1200" b="1">
-                        <a:latin typeface="宋体" panose="02010600030101010101" pitchFamily="2" charset="-122"/>
-                        <a:ea typeface="宋体" panose="02010600030101010101" pitchFamily="2" charset="-122"/>
-                        <a:cs typeface="宋体" panose="02010600030101010101" pitchFamily="2" charset="-122"/>
-                      </a:endParaRPr>
                     </a:p>
                   </a:txBody>
                   <a:tcPr marL="68580" marR="68580" marT="0" marB="0">
@@ -28459,18 +29694,13 @@
                         <a:buNone/>
                       </a:pPr>
                       <a:r>
-                        <a:rPr lang="en-US" sz="1200" b="1">
+                        <a:rPr lang="en-US" altLang="en-US" sz="1200" b="1" dirty="0">
                           <a:latin typeface="宋体" panose="02010600030101010101" pitchFamily="2" charset="-122"/>
                           <a:ea typeface="宋体" panose="02010600030101010101" pitchFamily="2" charset="-122"/>
                           <a:cs typeface="宋体" panose="02010600030101010101" pitchFamily="2" charset="-122"/>
                         </a:rPr>
                         <a:t>8</a:t>
                       </a:r>
-                      <a:endParaRPr lang="en-US" altLang="en-US" sz="1200" b="1">
-                        <a:latin typeface="宋体" panose="02010600030101010101" pitchFamily="2" charset="-122"/>
-                        <a:ea typeface="宋体" panose="02010600030101010101" pitchFamily="2" charset="-122"/>
-                        <a:cs typeface="宋体" panose="02010600030101010101" pitchFamily="2" charset="-122"/>
-                      </a:endParaRPr>
                     </a:p>
                   </a:txBody>
                   <a:tcPr marL="68580" marR="68580" marT="0" marB="0">
@@ -28524,14 +29754,14 @@
                         <a:buNone/>
                       </a:pPr>
                       <a:r>
-                        <a:rPr lang="en-US" sz="1200" b="1">
+                        <a:rPr lang="en-US" sz="1200" b="1" dirty="0">
                           <a:latin typeface="宋体" panose="02010600030101010101" pitchFamily="2" charset="-122"/>
                           <a:ea typeface="宋体" panose="02010600030101010101" pitchFamily="2" charset="-122"/>
                           <a:cs typeface="宋体" panose="02010600030101010101" pitchFamily="2" charset="-122"/>
                         </a:rPr>
                         <a:t>3</a:t>
                       </a:r>
-                      <a:endParaRPr lang="en-US" altLang="en-US" sz="1200" b="1">
+                      <a:endParaRPr lang="en-US" altLang="en-US" sz="1200" b="1" dirty="0">
                         <a:latin typeface="宋体" panose="02010600030101010101" pitchFamily="2" charset="-122"/>
                         <a:ea typeface="宋体" panose="02010600030101010101" pitchFamily="2" charset="-122"/>
                         <a:cs typeface="宋体" panose="02010600030101010101" pitchFamily="2" charset="-122"/>
@@ -28596,18 +29826,13 @@
                         <a:buNone/>
                       </a:pPr>
                       <a:r>
-                        <a:rPr lang="en-US" sz="1200" b="1">
+                        <a:rPr lang="en-US" altLang="en-US" sz="1200" b="1" dirty="0">
                           <a:latin typeface="宋体" panose="02010600030101010101" pitchFamily="2" charset="-122"/>
                           <a:ea typeface="宋体" panose="02010600030101010101" pitchFamily="2" charset="-122"/>
                           <a:cs typeface="宋体" panose="02010600030101010101" pitchFamily="2" charset="-122"/>
                         </a:rPr>
                         <a:t>1</a:t>
                       </a:r>
-                      <a:endParaRPr lang="en-US" altLang="en-US" sz="1200" b="1">
-                        <a:latin typeface="宋体" panose="02010600030101010101" pitchFamily="2" charset="-122"/>
-                        <a:ea typeface="宋体" panose="02010600030101010101" pitchFamily="2" charset="-122"/>
-                        <a:cs typeface="宋体" panose="02010600030101010101" pitchFamily="2" charset="-122"/>
-                      </a:endParaRPr>
                     </a:p>
                   </a:txBody>
                   <a:tcPr marL="68580" marR="68580" marT="0" marB="0">
@@ -28660,15 +29885,7 @@
                       <a:pPr indent="0" algn="ctr">
                         <a:buNone/>
                       </a:pPr>
-                      <a:r>
-                        <a:rPr lang="en-US" sz="1200" b="1">
-                          <a:latin typeface="宋体" panose="02010600030101010101" pitchFamily="2" charset="-122"/>
-                          <a:ea typeface="宋体" panose="02010600030101010101" pitchFamily="2" charset="-122"/>
-                          <a:cs typeface="宋体" panose="02010600030101010101" pitchFamily="2" charset="-122"/>
-                        </a:rPr>
-                        <a:t>6</a:t>
-                      </a:r>
-                      <a:endParaRPr lang="en-US" altLang="en-US" sz="1200" b="1">
+                      <a:endParaRPr lang="en-US" altLang="en-US" sz="1200" b="1" dirty="0">
                         <a:latin typeface="宋体" panose="02010600030101010101" pitchFamily="2" charset="-122"/>
                         <a:ea typeface="宋体" panose="02010600030101010101" pitchFamily="2" charset="-122"/>
                         <a:cs typeface="宋体" panose="02010600030101010101" pitchFamily="2" charset="-122"/>
@@ -28798,14 +30015,14 @@
                         <a:buNone/>
                       </a:pPr>
                       <a:r>
-                        <a:rPr lang="en-US" sz="1200" b="1">
+                        <a:rPr lang="en-US" sz="1200" b="1" dirty="0">
                           <a:latin typeface="宋体" panose="02010600030101010101" pitchFamily="2" charset="-122"/>
                           <a:ea typeface="宋体" panose="02010600030101010101" pitchFamily="2" charset="-122"/>
                           <a:cs typeface="宋体" panose="02010600030101010101" pitchFamily="2" charset="-122"/>
                         </a:rPr>
                         <a:t>7</a:t>
                       </a:r>
-                      <a:endParaRPr lang="en-US" altLang="en-US" sz="1200" b="1">
+                      <a:endParaRPr lang="en-US" altLang="en-US" sz="1200" b="1" dirty="0">
                         <a:latin typeface="宋体" panose="02010600030101010101" pitchFamily="2" charset="-122"/>
                         <a:ea typeface="宋体" panose="02010600030101010101" pitchFamily="2" charset="-122"/>
                         <a:cs typeface="宋体" panose="02010600030101010101" pitchFamily="2" charset="-122"/>
@@ -28863,14 +30080,22 @@
                         <a:buNone/>
                       </a:pPr>
                       <a:r>
-                        <a:rPr lang="en-US" sz="1200" b="1">
+                        <a:rPr lang="en-US" altLang="zh-CN" sz="1200" b="1" dirty="0">
+                          <a:latin typeface="宋体" panose="02010600030101010101" pitchFamily="2" charset="-122"/>
+                          <a:ea typeface="宋体" panose="02010600030101010101" pitchFamily="2" charset="-122"/>
+                          <a:cs typeface="宋体" panose="02010600030101010101" pitchFamily="2" charset="-122"/>
+                        </a:rPr>
+                        <a:t>6</a:t>
+                      </a:r>
+                      <a:r>
+                        <a:rPr lang="en-US" sz="1200" b="1" dirty="0">
                           <a:latin typeface="宋体" panose="02010600030101010101" pitchFamily="2" charset="-122"/>
                           <a:ea typeface="宋体" panose="02010600030101010101" pitchFamily="2" charset="-122"/>
                           <a:cs typeface="宋体" panose="02010600030101010101" pitchFamily="2" charset="-122"/>
                         </a:rPr>
                         <a:t> </a:t>
                       </a:r>
-                      <a:endParaRPr lang="en-US" altLang="en-US" sz="1200" b="1">
+                      <a:endParaRPr lang="en-US" altLang="en-US" sz="1200" b="1" dirty="0">
                         <a:latin typeface="宋体" panose="02010600030101010101" pitchFamily="2" charset="-122"/>
                         <a:ea typeface="宋体" panose="02010600030101010101" pitchFamily="2" charset="-122"/>
                         <a:cs typeface="宋体" panose="02010600030101010101" pitchFamily="2" charset="-122"/>
@@ -28996,7 +30221,13 @@
       </p:graphicFrame>
       <p:graphicFrame>
         <p:nvGraphicFramePr>
-          <p:cNvPr id="8" name="表格 7"/>
+          <p:cNvPr id="33" name="表格 32">
+            <a:extLst>
+              <a:ext uri="{FF2B5EF4-FFF2-40B4-BE49-F238E27FC236}">
+                <a16:creationId xmlns:a16="http://schemas.microsoft.com/office/drawing/2014/main" id="{E0C9337C-F797-43BE-B44D-A51C8A46F210}"/>
+              </a:ext>
+            </a:extLst>
+          </p:cNvPr>
           <p:cNvGraphicFramePr/>
           <p:nvPr>
             <p:custDataLst>
@@ -29004,13 +30235,13 @@
             </p:custDataLst>
             <p:extLst>
               <p:ext uri="{D42A27DB-BD31-4B8C-83A1-F6EECF244321}">
-                <p14:modId xmlns:p14="http://schemas.microsoft.com/office/powerpoint/2010/main" val="740031824"/>
+                <p14:modId xmlns:p14="http://schemas.microsoft.com/office/powerpoint/2010/main" val="1547143666"/>
               </p:ext>
             </p:extLst>
           </p:nvPr>
         </p:nvGraphicFramePr>
         <p:xfrm>
-          <a:off x="3740447" y="1128827"/>
+          <a:off x="3770840" y="987574"/>
           <a:ext cx="1217613" cy="787400"/>
         </p:xfrm>
         <a:graphic>
@@ -29654,13 +30885,19 @@
       </p:graphicFrame>
       <p:sp>
         <p:nvSpPr>
-          <p:cNvPr id="2" name="文本框 1"/>
+          <p:cNvPr id="35" name="文本框 34">
+            <a:extLst>
+              <a:ext uri="{FF2B5EF4-FFF2-40B4-BE49-F238E27FC236}">
+                <a16:creationId xmlns:a16="http://schemas.microsoft.com/office/drawing/2014/main" id="{844D3D4F-7C27-4CB4-BB8A-1704A7C3E13A}"/>
+              </a:ext>
+            </a:extLst>
+          </p:cNvPr>
           <p:cNvSpPr txBox="1"/>
           <p:nvPr/>
         </p:nvSpPr>
         <p:spPr>
           <a:xfrm>
-            <a:off x="3908087" y="1916227"/>
+            <a:off x="3938480" y="1774974"/>
             <a:ext cx="883285" cy="275590"/>
           </a:xfrm>
           <a:prstGeom prst="rect">
@@ -29689,1118 +30926,335 @@
           </a:p>
         </p:txBody>
       </p:sp>
-      <p:graphicFrame>
-        <p:nvGraphicFramePr>
-          <p:cNvPr id="3" name="表格 2"/>
-          <p:cNvGraphicFramePr/>
-          <p:nvPr>
-            <p:custDataLst>
-              <p:tags r:id="rId3"/>
-            </p:custDataLst>
-            <p:extLst>
-              <p:ext uri="{D42A27DB-BD31-4B8C-83A1-F6EECF244321}">
-                <p14:modId xmlns:p14="http://schemas.microsoft.com/office/powerpoint/2010/main" val="4000392890"/>
-              </p:ext>
-            </p:extLst>
-          </p:nvPr>
-        </p:nvGraphicFramePr>
-        <p:xfrm>
-          <a:off x="1462909" y="2543198"/>
-          <a:ext cx="4264371" cy="1368151"/>
-        </p:xfrm>
-        <a:graphic>
-          <a:graphicData uri="http://schemas.openxmlformats.org/drawingml/2006/table">
-            <a:tbl>
-              <a:tblPr firstRow="1" bandRow="1">
-                <a:tableStyleId>{5940675A-B579-460E-94D1-54222C63F5DA}</a:tableStyleId>
-              </a:tblPr>
-              <a:tblGrid>
-                <a:gridCol w="2649606">
-                  <a:extLst>
-                    <a:ext uri="{9D8B030D-6E8A-4147-A177-3AD203B41FA5}">
-                      <a16:colId xmlns:a16="http://schemas.microsoft.com/office/drawing/2014/main" val="20000"/>
-                    </a:ext>
-                  </a:extLst>
-                </a:gridCol>
-                <a:gridCol w="1614765">
-                  <a:extLst>
-                    <a:ext uri="{9D8B030D-6E8A-4147-A177-3AD203B41FA5}">
-                      <a16:colId xmlns:a16="http://schemas.microsoft.com/office/drawing/2014/main" val="20001"/>
-                    </a:ext>
-                  </a:extLst>
-                </a:gridCol>
-              </a:tblGrid>
-              <a:tr h="212107">
-                <a:tc>
-                  <a:txBody>
-                    <a:bodyPr/>
-                    <a:lstStyle/>
-                    <a:p>
-                      <a:pPr indent="0" algn="ctr">
-                        <a:buNone/>
-                      </a:pPr>
-                      <a:r>
-                        <a:rPr lang="en-US" sz="1200" b="1">
-                          <a:latin typeface="宋体" panose="02010600030101010101" pitchFamily="2" charset="-122"/>
-                          <a:ea typeface="宋体" panose="02010600030101010101" pitchFamily="2" charset="-122"/>
-                          <a:cs typeface="宋体" panose="02010600030101010101" pitchFamily="2" charset="-122"/>
-                        </a:rPr>
-                        <a:t>Open表</a:t>
-                      </a:r>
-                      <a:endParaRPr lang="en-US" altLang="en-US" sz="1200" b="1">
-                        <a:latin typeface="宋体" panose="02010600030101010101" pitchFamily="2" charset="-122"/>
-                        <a:ea typeface="宋体" panose="02010600030101010101" pitchFamily="2" charset="-122"/>
-                        <a:cs typeface="宋体" panose="02010600030101010101" pitchFamily="2" charset="-122"/>
-                      </a:endParaRPr>
-                    </a:p>
-                  </a:txBody>
-                  <a:tcPr marL="68580" marR="68580" marT="0" marB="0">
-                    <a:lnL w="12700" cap="flat" cmpd="sng">
-                      <a:solidFill>
-                        <a:srgbClr val="080000"/>
-                      </a:solidFill>
-                      <a:prstDash val="solid"/>
-                      <a:headEnd type="none" w="med" len="med"/>
-                      <a:tailEnd type="none" w="med" len="med"/>
-                    </a:lnL>
-                    <a:lnR w="12700" cap="flat" cmpd="sng">
-                      <a:solidFill>
-                        <a:srgbClr val="080000"/>
-                      </a:solidFill>
-                      <a:prstDash val="solid"/>
-                      <a:headEnd type="none" w="med" len="med"/>
-                      <a:tailEnd type="none" w="med" len="med"/>
-                    </a:lnR>
-                    <a:lnT w="12700" cap="flat" cmpd="sng">
-                      <a:solidFill>
-                        <a:srgbClr val="080000"/>
-                      </a:solidFill>
-                      <a:prstDash val="solid"/>
-                      <a:headEnd type="none" w="med" len="med"/>
-                      <a:tailEnd type="none" w="med" len="med"/>
-                    </a:lnT>
-                    <a:lnB w="12700" cap="flat" cmpd="sng">
-                      <a:solidFill>
-                        <a:srgbClr val="080000"/>
-                      </a:solidFill>
-                      <a:prstDash val="solid"/>
-                      <a:headEnd type="none" w="med" len="med"/>
-                      <a:tailEnd type="none" w="med" len="med"/>
-                    </a:lnB>
-                    <a:lnTlToBr>
-                      <a:noFill/>
-                    </a:lnTlToBr>
-                    <a:lnBlToTr>
-                      <a:noFill/>
-                    </a:lnBlToTr>
-                    <a:noFill/>
-                  </a:tcPr>
-                </a:tc>
-                <a:tc>
-                  <a:txBody>
-                    <a:bodyPr/>
-                    <a:lstStyle/>
-                    <a:p>
-                      <a:pPr indent="0" algn="ctr">
-                        <a:buNone/>
-                      </a:pPr>
-                      <a:r>
-                        <a:rPr lang="en-US" sz="1200" b="1">
-                          <a:latin typeface="宋体" panose="02010600030101010101" pitchFamily="2" charset="-122"/>
-                          <a:ea typeface="宋体" panose="02010600030101010101" pitchFamily="2" charset="-122"/>
-                          <a:cs typeface="宋体" panose="02010600030101010101" pitchFamily="2" charset="-122"/>
-                        </a:rPr>
-                        <a:t>Closed表</a:t>
-                      </a:r>
-                      <a:endParaRPr lang="en-US" altLang="en-US" sz="1200" b="1">
-                        <a:latin typeface="宋体" panose="02010600030101010101" pitchFamily="2" charset="-122"/>
-                        <a:ea typeface="宋体" panose="02010600030101010101" pitchFamily="2" charset="-122"/>
-                        <a:cs typeface="宋体" panose="02010600030101010101" pitchFamily="2" charset="-122"/>
-                      </a:endParaRPr>
-                    </a:p>
-                  </a:txBody>
-                  <a:tcPr marL="68580" marR="68580" marT="0" marB="0">
-                    <a:lnL w="12700" cap="flat" cmpd="sng">
-                      <a:solidFill>
-                        <a:srgbClr val="080000"/>
-                      </a:solidFill>
-                      <a:prstDash val="solid"/>
-                      <a:headEnd type="none" w="med" len="med"/>
-                      <a:tailEnd type="none" w="med" len="med"/>
-                    </a:lnL>
-                    <a:lnR w="12700" cap="flat" cmpd="sng">
-                      <a:solidFill>
-                        <a:srgbClr val="080000"/>
-                      </a:solidFill>
-                      <a:prstDash val="solid"/>
-                      <a:headEnd type="none" w="med" len="med"/>
-                      <a:tailEnd type="none" w="med" len="med"/>
-                    </a:lnR>
-                    <a:lnT w="12700" cap="flat" cmpd="sng">
-                      <a:solidFill>
-                        <a:srgbClr val="080000"/>
-                      </a:solidFill>
-                      <a:prstDash val="solid"/>
-                      <a:headEnd type="none" w="med" len="med"/>
-                      <a:tailEnd type="none" w="med" len="med"/>
-                    </a:lnT>
-                    <a:lnB w="12700" cap="flat" cmpd="sng">
-                      <a:solidFill>
-                        <a:srgbClr val="080000"/>
-                      </a:solidFill>
-                      <a:prstDash val="solid"/>
-                      <a:headEnd type="none" w="med" len="med"/>
-                      <a:tailEnd type="none" w="med" len="med"/>
-                    </a:lnB>
-                    <a:lnTlToBr>
-                      <a:noFill/>
-                    </a:lnTlToBr>
-                    <a:lnBlToTr>
-                      <a:noFill/>
-                    </a:lnBlToTr>
-                    <a:noFill/>
-                  </a:tcPr>
-                </a:tc>
-                <a:extLst>
-                  <a:ext uri="{0D108BD9-81ED-4DB2-BD59-A6C34878D82A}">
-                    <a16:rowId xmlns:a16="http://schemas.microsoft.com/office/drawing/2014/main" val="10000"/>
-                  </a:ext>
-                </a:extLst>
-              </a:tr>
-              <a:tr h="171681">
-                <a:tc>
-                  <a:txBody>
-                    <a:bodyPr/>
-                    <a:lstStyle/>
-                    <a:p>
-                      <a:pPr indent="0" algn="ctr">
-                        <a:buNone/>
-                      </a:pPr>
-                      <a:r>
-                        <a:rPr lang="en-US" sz="1000" b="0" kern="1200" dirty="0" err="1">
-                          <a:solidFill>
-                            <a:schemeClr val="tx1"/>
-                          </a:solidFill>
-                          <a:latin typeface="华文楷体" panose="02010600040101010101" pitchFamily="2" charset="-122"/>
-                          <a:ea typeface="华文楷体" panose="02010600040101010101" pitchFamily="2" charset="-122"/>
-                          <a:cs typeface="Times New Roman" panose="02020603050405020304" pitchFamily="18" charset="0"/>
-                        </a:rPr>
-                        <a:t>初始化</a:t>
-                      </a:r>
-                      <a:r>
-                        <a:rPr lang="en-US" sz="1000" b="0" kern="1200" dirty="0">
-                          <a:solidFill>
-                            <a:schemeClr val="tx1"/>
-                          </a:solidFill>
-                          <a:latin typeface="华文楷体" panose="02010600040101010101" pitchFamily="2" charset="-122"/>
-                          <a:ea typeface="华文楷体" panose="02010600040101010101" pitchFamily="2" charset="-122"/>
-                          <a:cs typeface="Times New Roman" panose="02020603050405020304" pitchFamily="18" charset="0"/>
-                        </a:rPr>
-                        <a:t>：( S(4) )</a:t>
-                      </a:r>
-                      <a:endParaRPr lang="en-US" altLang="en-US" sz="1000" b="0" kern="1200" dirty="0">
-                        <a:solidFill>
-                          <a:schemeClr val="tx1"/>
-                        </a:solidFill>
-                        <a:latin typeface="华文楷体" panose="02010600040101010101" pitchFamily="2" charset="-122"/>
-                        <a:ea typeface="华文楷体" panose="02010600040101010101" pitchFamily="2" charset="-122"/>
-                        <a:cs typeface="Times New Roman" panose="02020603050405020304" pitchFamily="18" charset="0"/>
-                      </a:endParaRPr>
-                    </a:p>
-                  </a:txBody>
-                  <a:tcPr marL="68580" marR="68580" marT="0" marB="0">
-                    <a:lnL w="12700" cap="flat" cmpd="sng">
-                      <a:solidFill>
-                        <a:srgbClr val="080000"/>
-                      </a:solidFill>
-                      <a:prstDash val="solid"/>
-                      <a:headEnd type="none" w="med" len="med"/>
-                      <a:tailEnd type="none" w="med" len="med"/>
-                    </a:lnL>
-                    <a:lnR w="12700" cap="flat" cmpd="sng">
-                      <a:solidFill>
-                        <a:srgbClr val="080000"/>
-                      </a:solidFill>
-                      <a:prstDash val="solid"/>
-                      <a:headEnd type="none" w="med" len="med"/>
-                      <a:tailEnd type="none" w="med" len="med"/>
-                    </a:lnR>
-                    <a:lnT w="12700" cap="flat" cmpd="sng">
-                      <a:solidFill>
-                        <a:srgbClr val="080000"/>
-                      </a:solidFill>
-                      <a:prstDash val="solid"/>
-                      <a:headEnd type="none" w="med" len="med"/>
-                      <a:tailEnd type="none" w="med" len="med"/>
-                    </a:lnT>
-                    <a:lnB w="12700" cap="flat" cmpd="sng">
-                      <a:solidFill>
-                        <a:srgbClr val="080000"/>
-                      </a:solidFill>
-                      <a:prstDash val="solid"/>
-                      <a:headEnd type="none" w="med" len="med"/>
-                      <a:tailEnd type="none" w="med" len="med"/>
-                    </a:lnB>
-                    <a:lnTlToBr>
-                      <a:noFill/>
-                    </a:lnTlToBr>
-                    <a:lnBlToTr>
-                      <a:noFill/>
-                    </a:lnBlToTr>
-                    <a:noFill/>
-                  </a:tcPr>
-                </a:tc>
-                <a:tc>
-                  <a:txBody>
-                    <a:bodyPr/>
-                    <a:lstStyle/>
-                    <a:p>
-                      <a:pPr indent="0" algn="ctr">
-                        <a:buNone/>
-                      </a:pPr>
-                      <a:r>
-                        <a:rPr lang="en-US" sz="1000" b="0" dirty="0">
-                          <a:latin typeface="华文楷体" panose="02010600040101010101" pitchFamily="2" charset="-122"/>
-                          <a:ea typeface="华文楷体" panose="02010600040101010101" pitchFamily="2" charset="-122"/>
-                          <a:cs typeface="Times New Roman" panose="02020603050405020304" pitchFamily="18" charset="0"/>
-                        </a:rPr>
-                        <a:t>( )</a:t>
-                      </a:r>
-                      <a:endParaRPr lang="en-US" altLang="en-US" sz="1000" b="0" dirty="0">
-                        <a:latin typeface="华文楷体" panose="02010600040101010101" pitchFamily="2" charset="-122"/>
-                        <a:ea typeface="华文楷体" panose="02010600040101010101" pitchFamily="2" charset="-122"/>
-                        <a:cs typeface="Times New Roman" panose="02020603050405020304" pitchFamily="18" charset="0"/>
-                      </a:endParaRPr>
-                    </a:p>
-                  </a:txBody>
-                  <a:tcPr marL="68580" marR="68580" marT="0" marB="0">
-                    <a:lnL w="12700" cap="flat" cmpd="sng">
-                      <a:solidFill>
-                        <a:srgbClr val="080000"/>
-                      </a:solidFill>
-                      <a:prstDash val="solid"/>
-                      <a:headEnd type="none" w="med" len="med"/>
-                      <a:tailEnd type="none" w="med" len="med"/>
-                    </a:lnL>
-                    <a:lnR w="12700" cap="flat" cmpd="sng">
-                      <a:solidFill>
-                        <a:srgbClr val="080000"/>
-                      </a:solidFill>
-                      <a:prstDash val="solid"/>
-                      <a:headEnd type="none" w="med" len="med"/>
-                      <a:tailEnd type="none" w="med" len="med"/>
-                    </a:lnR>
-                    <a:lnT w="12700" cap="flat" cmpd="sng">
-                      <a:solidFill>
-                        <a:srgbClr val="080000"/>
-                      </a:solidFill>
-                      <a:prstDash val="solid"/>
-                      <a:headEnd type="none" w="med" len="med"/>
-                      <a:tailEnd type="none" w="med" len="med"/>
-                    </a:lnT>
-                    <a:lnB w="12700" cap="flat" cmpd="sng">
-                      <a:solidFill>
-                        <a:srgbClr val="080000"/>
-                      </a:solidFill>
-                      <a:prstDash val="solid"/>
-                      <a:headEnd type="none" w="med" len="med"/>
-                      <a:tailEnd type="none" w="med" len="med"/>
-                    </a:lnB>
-                    <a:lnTlToBr>
-                      <a:noFill/>
-                    </a:lnTlToBr>
-                    <a:lnBlToTr>
-                      <a:noFill/>
-                    </a:lnBlToTr>
-                    <a:noFill/>
-                  </a:tcPr>
-                </a:tc>
-                <a:extLst>
-                  <a:ext uri="{0D108BD9-81ED-4DB2-BD59-A6C34878D82A}">
-                    <a16:rowId xmlns:a16="http://schemas.microsoft.com/office/drawing/2014/main" val="10001"/>
-                  </a:ext>
-                </a:extLst>
-              </a:tr>
-              <a:tr h="171681">
-                <a:tc>
-                  <a:txBody>
-                    <a:bodyPr/>
-                    <a:lstStyle/>
-                    <a:p>
-                      <a:pPr indent="0" algn="ctr">
-                        <a:buNone/>
-                      </a:pPr>
-                      <a:r>
-                        <a:rPr lang="en-US" sz="1000" b="0" dirty="0" err="1">
-                          <a:latin typeface="华文楷体" panose="02010600040101010101" pitchFamily="2" charset="-122"/>
-                          <a:ea typeface="华文楷体" panose="02010600040101010101" pitchFamily="2" charset="-122"/>
-                          <a:cs typeface="Times New Roman" panose="02020603050405020304" pitchFamily="18" charset="0"/>
-                        </a:rPr>
-                        <a:t>一次循环后</a:t>
-                      </a:r>
-                      <a:r>
-                        <a:rPr lang="en-US" sz="1000" b="0" dirty="0">
-                          <a:latin typeface="华文楷体" panose="02010600040101010101" pitchFamily="2" charset="-122"/>
-                          <a:ea typeface="华文楷体" panose="02010600040101010101" pitchFamily="2" charset="-122"/>
-                          <a:cs typeface="Times New Roman" panose="02020603050405020304" pitchFamily="18" charset="0"/>
-                        </a:rPr>
-                        <a:t>：( A(5), B(7), C(7), D(7) )</a:t>
-                      </a:r>
-                      <a:endParaRPr lang="en-US" altLang="en-US" sz="1000" b="0" dirty="0">
-                        <a:latin typeface="华文楷体" panose="02010600040101010101" pitchFamily="2" charset="-122"/>
-                        <a:ea typeface="华文楷体" panose="02010600040101010101" pitchFamily="2" charset="-122"/>
-                        <a:cs typeface="Times New Roman" panose="02020603050405020304" pitchFamily="18" charset="0"/>
-                      </a:endParaRPr>
-                    </a:p>
-                  </a:txBody>
-                  <a:tcPr marL="68580" marR="68580" marT="0" marB="0">
-                    <a:lnL w="12700" cap="flat" cmpd="sng">
-                      <a:solidFill>
-                        <a:srgbClr val="080000"/>
-                      </a:solidFill>
-                      <a:prstDash val="solid"/>
-                      <a:headEnd type="none" w="med" len="med"/>
-                      <a:tailEnd type="none" w="med" len="med"/>
-                    </a:lnL>
-                    <a:lnR w="12700" cap="flat" cmpd="sng">
-                      <a:solidFill>
-                        <a:srgbClr val="080000"/>
-                      </a:solidFill>
-                      <a:prstDash val="solid"/>
-                      <a:headEnd type="none" w="med" len="med"/>
-                      <a:tailEnd type="none" w="med" len="med"/>
-                    </a:lnR>
-                    <a:lnT w="12700" cap="flat" cmpd="sng">
-                      <a:solidFill>
-                        <a:srgbClr val="080000"/>
-                      </a:solidFill>
-                      <a:prstDash val="solid"/>
-                      <a:headEnd type="none" w="med" len="med"/>
-                      <a:tailEnd type="none" w="med" len="med"/>
-                    </a:lnT>
-                    <a:lnB w="12700" cap="flat" cmpd="sng">
-                      <a:solidFill>
-                        <a:srgbClr val="080000"/>
-                      </a:solidFill>
-                      <a:prstDash val="solid"/>
-                      <a:headEnd type="none" w="med" len="med"/>
-                      <a:tailEnd type="none" w="med" len="med"/>
-                    </a:lnB>
-                    <a:lnTlToBr>
-                      <a:noFill/>
-                    </a:lnTlToBr>
-                    <a:lnBlToTr>
-                      <a:noFill/>
-                    </a:lnBlToTr>
-                    <a:noFill/>
-                  </a:tcPr>
-                </a:tc>
-                <a:tc>
-                  <a:txBody>
-                    <a:bodyPr/>
-                    <a:lstStyle/>
-                    <a:p>
-                      <a:pPr indent="0" algn="ctr">
-                        <a:buNone/>
-                      </a:pPr>
-                      <a:r>
-                        <a:rPr lang="en-US" sz="1000" b="0">
-                          <a:latin typeface="华文楷体" panose="02010600040101010101" pitchFamily="2" charset="-122"/>
-                          <a:ea typeface="华文楷体" panose="02010600040101010101" pitchFamily="2" charset="-122"/>
-                          <a:cs typeface="Times New Roman" panose="02020603050405020304" pitchFamily="18" charset="0"/>
-                        </a:rPr>
-                        <a:t>( S(4) )</a:t>
-                      </a:r>
-                      <a:endParaRPr lang="en-US" altLang="en-US" sz="1000" b="0">
-                        <a:latin typeface="华文楷体" panose="02010600040101010101" pitchFamily="2" charset="-122"/>
-                        <a:ea typeface="华文楷体" panose="02010600040101010101" pitchFamily="2" charset="-122"/>
-                        <a:cs typeface="Times New Roman" panose="02020603050405020304" pitchFamily="18" charset="0"/>
-                      </a:endParaRPr>
-                    </a:p>
-                  </a:txBody>
-                  <a:tcPr marL="68580" marR="68580" marT="0" marB="0">
-                    <a:lnL w="12700" cap="flat" cmpd="sng">
-                      <a:solidFill>
-                        <a:srgbClr val="080000"/>
-                      </a:solidFill>
-                      <a:prstDash val="solid"/>
-                      <a:headEnd type="none" w="med" len="med"/>
-                      <a:tailEnd type="none" w="med" len="med"/>
-                    </a:lnL>
-                    <a:lnR w="12700" cap="flat" cmpd="sng">
-                      <a:solidFill>
-                        <a:srgbClr val="080000"/>
-                      </a:solidFill>
-                      <a:prstDash val="solid"/>
-                      <a:headEnd type="none" w="med" len="med"/>
-                      <a:tailEnd type="none" w="med" len="med"/>
-                    </a:lnR>
-                    <a:lnT w="12700" cap="flat" cmpd="sng">
-                      <a:solidFill>
-                        <a:srgbClr val="080000"/>
-                      </a:solidFill>
-                      <a:prstDash val="solid"/>
-                      <a:headEnd type="none" w="med" len="med"/>
-                      <a:tailEnd type="none" w="med" len="med"/>
-                    </a:lnT>
-                    <a:lnB w="12700" cap="flat" cmpd="sng">
-                      <a:solidFill>
-                        <a:srgbClr val="080000"/>
-                      </a:solidFill>
-                      <a:prstDash val="solid"/>
-                      <a:headEnd type="none" w="med" len="med"/>
-                      <a:tailEnd type="none" w="med" len="med"/>
-                    </a:lnB>
-                    <a:lnTlToBr>
-                      <a:noFill/>
-                    </a:lnTlToBr>
-                    <a:lnBlToTr>
-                      <a:noFill/>
-                    </a:lnBlToTr>
-                    <a:noFill/>
-                  </a:tcPr>
-                </a:tc>
-                <a:extLst>
-                  <a:ext uri="{0D108BD9-81ED-4DB2-BD59-A6C34878D82A}">
-                    <a16:rowId xmlns:a16="http://schemas.microsoft.com/office/drawing/2014/main" val="10002"/>
-                  </a:ext>
-                </a:extLst>
-              </a:tr>
-              <a:tr h="171681">
-                <a:tc>
-                  <a:txBody>
-                    <a:bodyPr/>
-                    <a:lstStyle/>
-                    <a:p>
-                      <a:pPr indent="0" algn="ctr">
-                        <a:buNone/>
-                      </a:pPr>
-                      <a:r>
-                        <a:rPr lang="en-US" sz="1000" b="0">
-                          <a:latin typeface="华文楷体" panose="02010600040101010101" pitchFamily="2" charset="-122"/>
-                          <a:ea typeface="华文楷体" panose="02010600040101010101" pitchFamily="2" charset="-122"/>
-                          <a:cs typeface="Times New Roman" panose="02020603050405020304" pitchFamily="18" charset="0"/>
-                        </a:rPr>
-                        <a:t>二次循环后：( E(6), B(7), C(7), D(7), F(8) )</a:t>
-                      </a:r>
-                      <a:endParaRPr lang="en-US" altLang="en-US" sz="1000" b="0">
-                        <a:latin typeface="华文楷体" panose="02010600040101010101" pitchFamily="2" charset="-122"/>
-                        <a:ea typeface="华文楷体" panose="02010600040101010101" pitchFamily="2" charset="-122"/>
-                        <a:cs typeface="Times New Roman" panose="02020603050405020304" pitchFamily="18" charset="0"/>
-                      </a:endParaRPr>
-                    </a:p>
-                  </a:txBody>
-                  <a:tcPr marL="68580" marR="68580" marT="0" marB="0">
-                    <a:lnL w="12700" cap="flat" cmpd="sng">
-                      <a:solidFill>
-                        <a:srgbClr val="080000"/>
-                      </a:solidFill>
-                      <a:prstDash val="solid"/>
-                      <a:headEnd type="none" w="med" len="med"/>
-                      <a:tailEnd type="none" w="med" len="med"/>
-                    </a:lnL>
-                    <a:lnR w="12700" cap="flat" cmpd="sng">
-                      <a:solidFill>
-                        <a:srgbClr val="080000"/>
-                      </a:solidFill>
-                      <a:prstDash val="solid"/>
-                      <a:headEnd type="none" w="med" len="med"/>
-                      <a:tailEnd type="none" w="med" len="med"/>
-                    </a:lnR>
-                    <a:lnT w="12700" cap="flat" cmpd="sng">
-                      <a:solidFill>
-                        <a:srgbClr val="080000"/>
-                      </a:solidFill>
-                      <a:prstDash val="solid"/>
-                      <a:headEnd type="none" w="med" len="med"/>
-                      <a:tailEnd type="none" w="med" len="med"/>
-                    </a:lnT>
-                    <a:lnB w="12700" cap="flat" cmpd="sng">
-                      <a:solidFill>
-                        <a:srgbClr val="080000"/>
-                      </a:solidFill>
-                      <a:prstDash val="solid"/>
-                      <a:headEnd type="none" w="med" len="med"/>
-                      <a:tailEnd type="none" w="med" len="med"/>
-                    </a:lnB>
-                    <a:lnTlToBr>
-                      <a:noFill/>
-                    </a:lnTlToBr>
-                    <a:lnBlToTr>
-                      <a:noFill/>
-                    </a:lnBlToTr>
-                    <a:noFill/>
-                  </a:tcPr>
-                </a:tc>
-                <a:tc>
-                  <a:txBody>
-                    <a:bodyPr/>
-                    <a:lstStyle/>
-                    <a:p>
-                      <a:pPr indent="0" algn="ctr">
-                        <a:buNone/>
-                      </a:pPr>
-                      <a:r>
-                        <a:rPr lang="en-US" sz="1000" b="0">
-                          <a:latin typeface="华文楷体" panose="02010600040101010101" pitchFamily="2" charset="-122"/>
-                          <a:ea typeface="华文楷体" panose="02010600040101010101" pitchFamily="2" charset="-122"/>
-                          <a:cs typeface="Times New Roman" panose="02020603050405020304" pitchFamily="18" charset="0"/>
-                        </a:rPr>
-                        <a:t>( S(4), A(5) )</a:t>
-                      </a:r>
-                      <a:endParaRPr lang="en-US" altLang="en-US" sz="1000" b="0">
-                        <a:latin typeface="华文楷体" panose="02010600040101010101" pitchFamily="2" charset="-122"/>
-                        <a:ea typeface="华文楷体" panose="02010600040101010101" pitchFamily="2" charset="-122"/>
-                        <a:cs typeface="Times New Roman" panose="02020603050405020304" pitchFamily="18" charset="0"/>
-                      </a:endParaRPr>
-                    </a:p>
-                  </a:txBody>
-                  <a:tcPr marL="68580" marR="68580" marT="0" marB="0">
-                    <a:lnL w="12700" cap="flat" cmpd="sng">
-                      <a:solidFill>
-                        <a:srgbClr val="080000"/>
-                      </a:solidFill>
-                      <a:prstDash val="solid"/>
-                      <a:headEnd type="none" w="med" len="med"/>
-                      <a:tailEnd type="none" w="med" len="med"/>
-                    </a:lnL>
-                    <a:lnR w="12700" cap="flat" cmpd="sng">
-                      <a:solidFill>
-                        <a:srgbClr val="080000"/>
-                      </a:solidFill>
-                      <a:prstDash val="solid"/>
-                      <a:headEnd type="none" w="med" len="med"/>
-                      <a:tailEnd type="none" w="med" len="med"/>
-                    </a:lnR>
-                    <a:lnT w="12700" cap="flat" cmpd="sng">
-                      <a:solidFill>
-                        <a:srgbClr val="080000"/>
-                      </a:solidFill>
-                      <a:prstDash val="solid"/>
-                      <a:headEnd type="none" w="med" len="med"/>
-                      <a:tailEnd type="none" w="med" len="med"/>
-                    </a:lnT>
-                    <a:lnB w="12700" cap="flat" cmpd="sng">
-                      <a:solidFill>
-                        <a:srgbClr val="080000"/>
-                      </a:solidFill>
-                      <a:prstDash val="solid"/>
-                      <a:headEnd type="none" w="med" len="med"/>
-                      <a:tailEnd type="none" w="med" len="med"/>
-                    </a:lnB>
-                    <a:lnTlToBr>
-                      <a:noFill/>
-                    </a:lnTlToBr>
-                    <a:lnBlToTr>
-                      <a:noFill/>
-                    </a:lnBlToTr>
-                    <a:noFill/>
-                  </a:tcPr>
-                </a:tc>
-                <a:extLst>
-                  <a:ext uri="{0D108BD9-81ED-4DB2-BD59-A6C34878D82A}">
-                    <a16:rowId xmlns:a16="http://schemas.microsoft.com/office/drawing/2014/main" val="10003"/>
-                  </a:ext>
-                </a:extLst>
-              </a:tr>
-              <a:tr h="171681">
-                <a:tc>
-                  <a:txBody>
-                    <a:bodyPr/>
-                    <a:lstStyle/>
-                    <a:p>
-                      <a:pPr indent="0" algn="ctr">
-                        <a:buNone/>
-                      </a:pPr>
-                      <a:r>
-                        <a:rPr lang="en-US" sz="1000" b="0">
-                          <a:latin typeface="华文楷体" panose="02010600040101010101" pitchFamily="2" charset="-122"/>
-                          <a:ea typeface="华文楷体" panose="02010600040101010101" pitchFamily="2" charset="-122"/>
-                          <a:cs typeface="Times New Roman" panose="02020603050405020304" pitchFamily="18" charset="0"/>
-                        </a:rPr>
-                        <a:t>三次循环后：( G(5), B(7), C(7), D(7), F(8) )</a:t>
-                      </a:r>
-                      <a:endParaRPr lang="en-US" altLang="en-US" sz="1000" b="0">
-                        <a:latin typeface="华文楷体" panose="02010600040101010101" pitchFamily="2" charset="-122"/>
-                        <a:ea typeface="华文楷体" panose="02010600040101010101" pitchFamily="2" charset="-122"/>
-                        <a:cs typeface="Times New Roman" panose="02020603050405020304" pitchFamily="18" charset="0"/>
-                      </a:endParaRPr>
-                    </a:p>
-                  </a:txBody>
-                  <a:tcPr marL="68580" marR="68580" marT="0" marB="0">
-                    <a:lnL w="12700" cap="flat" cmpd="sng">
-                      <a:solidFill>
-                        <a:srgbClr val="080000"/>
-                      </a:solidFill>
-                      <a:prstDash val="solid"/>
-                      <a:headEnd type="none" w="med" len="med"/>
-                      <a:tailEnd type="none" w="med" len="med"/>
-                    </a:lnL>
-                    <a:lnR w="12700" cap="flat" cmpd="sng">
-                      <a:solidFill>
-                        <a:srgbClr val="080000"/>
-                      </a:solidFill>
-                      <a:prstDash val="solid"/>
-                      <a:headEnd type="none" w="med" len="med"/>
-                      <a:tailEnd type="none" w="med" len="med"/>
-                    </a:lnR>
-                    <a:lnT w="12700" cap="flat" cmpd="sng">
-                      <a:solidFill>
-                        <a:srgbClr val="080000"/>
-                      </a:solidFill>
-                      <a:prstDash val="solid"/>
-                      <a:headEnd type="none" w="med" len="med"/>
-                      <a:tailEnd type="none" w="med" len="med"/>
-                    </a:lnT>
-                    <a:lnB w="12700" cap="flat" cmpd="sng">
-                      <a:solidFill>
-                        <a:srgbClr val="080000"/>
-                      </a:solidFill>
-                      <a:prstDash val="solid"/>
-                      <a:headEnd type="none" w="med" len="med"/>
-                      <a:tailEnd type="none" w="med" len="med"/>
-                    </a:lnB>
-                    <a:lnTlToBr>
-                      <a:noFill/>
-                    </a:lnTlToBr>
-                    <a:lnBlToTr>
-                      <a:noFill/>
-                    </a:lnBlToTr>
-                    <a:noFill/>
-                  </a:tcPr>
-                </a:tc>
-                <a:tc>
-                  <a:txBody>
-                    <a:bodyPr/>
-                    <a:lstStyle/>
-                    <a:p>
-                      <a:pPr indent="0" algn="ctr">
-                        <a:buNone/>
-                      </a:pPr>
-                      <a:r>
-                        <a:rPr lang="en-US" sz="1000" b="0">
-                          <a:latin typeface="华文楷体" panose="02010600040101010101" pitchFamily="2" charset="-122"/>
-                          <a:ea typeface="华文楷体" panose="02010600040101010101" pitchFamily="2" charset="-122"/>
-                          <a:cs typeface="Times New Roman" panose="02020603050405020304" pitchFamily="18" charset="0"/>
-                        </a:rPr>
-                        <a:t>( S(4), A(5), E(6) )</a:t>
-                      </a:r>
-                      <a:endParaRPr lang="en-US" altLang="en-US" sz="1000" b="0">
-                        <a:latin typeface="华文楷体" panose="02010600040101010101" pitchFamily="2" charset="-122"/>
-                        <a:ea typeface="华文楷体" panose="02010600040101010101" pitchFamily="2" charset="-122"/>
-                        <a:cs typeface="Times New Roman" panose="02020603050405020304" pitchFamily="18" charset="0"/>
-                      </a:endParaRPr>
-                    </a:p>
-                  </a:txBody>
-                  <a:tcPr marL="68580" marR="68580" marT="0" marB="0">
-                    <a:lnL w="12700" cap="flat" cmpd="sng">
-                      <a:solidFill>
-                        <a:srgbClr val="080000"/>
-                      </a:solidFill>
-                      <a:prstDash val="solid"/>
-                      <a:headEnd type="none" w="med" len="med"/>
-                      <a:tailEnd type="none" w="med" len="med"/>
-                    </a:lnL>
-                    <a:lnR w="12700" cap="flat" cmpd="sng">
-                      <a:solidFill>
-                        <a:srgbClr val="080000"/>
-                      </a:solidFill>
-                      <a:prstDash val="solid"/>
-                      <a:headEnd type="none" w="med" len="med"/>
-                      <a:tailEnd type="none" w="med" len="med"/>
-                    </a:lnR>
-                    <a:lnT w="12700" cap="flat" cmpd="sng">
-                      <a:solidFill>
-                        <a:srgbClr val="080000"/>
-                      </a:solidFill>
-                      <a:prstDash val="solid"/>
-                      <a:headEnd type="none" w="med" len="med"/>
-                      <a:tailEnd type="none" w="med" len="med"/>
-                    </a:lnT>
-                    <a:lnB w="12700" cap="flat" cmpd="sng">
-                      <a:solidFill>
-                        <a:srgbClr val="080000"/>
-                      </a:solidFill>
-                      <a:prstDash val="solid"/>
-                      <a:headEnd type="none" w="med" len="med"/>
-                      <a:tailEnd type="none" w="med" len="med"/>
-                    </a:lnB>
-                    <a:lnTlToBr>
-                      <a:noFill/>
-                    </a:lnTlToBr>
-                    <a:lnBlToTr>
-                      <a:noFill/>
-                    </a:lnBlToTr>
-                    <a:noFill/>
-                  </a:tcPr>
-                </a:tc>
-                <a:extLst>
-                  <a:ext uri="{0D108BD9-81ED-4DB2-BD59-A6C34878D82A}">
-                    <a16:rowId xmlns:a16="http://schemas.microsoft.com/office/drawing/2014/main" val="10004"/>
-                  </a:ext>
-                </a:extLst>
-              </a:tr>
-              <a:tr h="171681">
-                <a:tc>
-                  <a:txBody>
-                    <a:bodyPr/>
-                    <a:lstStyle/>
-                    <a:p>
-                      <a:pPr indent="0">
-                        <a:buNone/>
-                      </a:pPr>
-                      <a:r>
-                        <a:rPr lang="en-US" sz="1000" b="0">
-                          <a:latin typeface="华文楷体" panose="02010600040101010101" pitchFamily="2" charset="-122"/>
-                          <a:ea typeface="华文楷体" panose="02010600040101010101" pitchFamily="2" charset="-122"/>
-                          <a:cs typeface="Times New Roman" panose="02020603050405020304" pitchFamily="18" charset="0"/>
-                        </a:rPr>
-                        <a:t>四次循环后：( H(4), B(7), C(7), D(7), F(8), I(8) )</a:t>
-                      </a:r>
-                      <a:endParaRPr lang="en-US" altLang="en-US" sz="1000" b="0">
-                        <a:latin typeface="华文楷体" panose="02010600040101010101" pitchFamily="2" charset="-122"/>
-                        <a:ea typeface="华文楷体" panose="02010600040101010101" pitchFamily="2" charset="-122"/>
-                        <a:cs typeface="Times New Roman" panose="02020603050405020304" pitchFamily="18" charset="0"/>
-                      </a:endParaRPr>
-                    </a:p>
-                  </a:txBody>
-                  <a:tcPr marL="68580" marR="68580" marT="0" marB="0">
-                    <a:lnL w="12700" cap="flat" cmpd="sng">
-                      <a:solidFill>
-                        <a:srgbClr val="080000"/>
-                      </a:solidFill>
-                      <a:prstDash val="solid"/>
-                      <a:headEnd type="none" w="med" len="med"/>
-                      <a:tailEnd type="none" w="med" len="med"/>
-                    </a:lnL>
-                    <a:lnR w="12700" cap="flat" cmpd="sng">
-                      <a:solidFill>
-                        <a:srgbClr val="080000"/>
-                      </a:solidFill>
-                      <a:prstDash val="solid"/>
-                      <a:headEnd type="none" w="med" len="med"/>
-                      <a:tailEnd type="none" w="med" len="med"/>
-                    </a:lnR>
-                    <a:lnT w="12700" cap="flat" cmpd="sng">
-                      <a:solidFill>
-                        <a:srgbClr val="080000"/>
-                      </a:solidFill>
-                      <a:prstDash val="solid"/>
-                      <a:headEnd type="none" w="med" len="med"/>
-                      <a:tailEnd type="none" w="med" len="med"/>
-                    </a:lnT>
-                    <a:lnB w="12700" cap="flat" cmpd="sng">
-                      <a:solidFill>
-                        <a:srgbClr val="080000"/>
-                      </a:solidFill>
-                      <a:prstDash val="solid"/>
-                      <a:headEnd type="none" w="med" len="med"/>
-                      <a:tailEnd type="none" w="med" len="med"/>
-                    </a:lnB>
-                    <a:lnTlToBr>
-                      <a:noFill/>
-                    </a:lnTlToBr>
-                    <a:lnBlToTr>
-                      <a:noFill/>
-                    </a:lnBlToTr>
-                    <a:noFill/>
-                  </a:tcPr>
-                </a:tc>
-                <a:tc>
-                  <a:txBody>
-                    <a:bodyPr/>
-                    <a:lstStyle/>
-                    <a:p>
-                      <a:pPr indent="0" algn="ctr">
-                        <a:buNone/>
-                      </a:pPr>
-                      <a:r>
-                        <a:rPr lang="en-US" sz="1000" b="0">
-                          <a:latin typeface="华文楷体" panose="02010600040101010101" pitchFamily="2" charset="-122"/>
-                          <a:ea typeface="华文楷体" panose="02010600040101010101" pitchFamily="2" charset="-122"/>
-                          <a:cs typeface="Times New Roman" panose="02020603050405020304" pitchFamily="18" charset="0"/>
-                        </a:rPr>
-                        <a:t>( S(4), A(5), E(6), G(5) )</a:t>
-                      </a:r>
-                      <a:endParaRPr lang="en-US" altLang="en-US" sz="1000" b="0">
-                        <a:latin typeface="华文楷体" panose="02010600040101010101" pitchFamily="2" charset="-122"/>
-                        <a:ea typeface="华文楷体" panose="02010600040101010101" pitchFamily="2" charset="-122"/>
-                        <a:cs typeface="Times New Roman" panose="02020603050405020304" pitchFamily="18" charset="0"/>
-                      </a:endParaRPr>
-                    </a:p>
-                  </a:txBody>
-                  <a:tcPr marL="68580" marR="68580" marT="0" marB="0">
-                    <a:lnL w="12700" cap="flat" cmpd="sng">
-                      <a:solidFill>
-                        <a:srgbClr val="080000"/>
-                      </a:solidFill>
-                      <a:prstDash val="solid"/>
-                      <a:headEnd type="none" w="med" len="med"/>
-                      <a:tailEnd type="none" w="med" len="med"/>
-                    </a:lnL>
-                    <a:lnR w="12700" cap="flat" cmpd="sng">
-                      <a:solidFill>
-                        <a:srgbClr val="080000"/>
-                      </a:solidFill>
-                      <a:prstDash val="solid"/>
-                      <a:headEnd type="none" w="med" len="med"/>
-                      <a:tailEnd type="none" w="med" len="med"/>
-                    </a:lnR>
-                    <a:lnT w="12700" cap="flat" cmpd="sng">
-                      <a:solidFill>
-                        <a:srgbClr val="080000"/>
-                      </a:solidFill>
-                      <a:prstDash val="solid"/>
-                      <a:headEnd type="none" w="med" len="med"/>
-                      <a:tailEnd type="none" w="med" len="med"/>
-                    </a:lnT>
-                    <a:lnB w="12700" cap="flat" cmpd="sng">
-                      <a:solidFill>
-                        <a:srgbClr val="080000"/>
-                      </a:solidFill>
-                      <a:prstDash val="solid"/>
-                      <a:headEnd type="none" w="med" len="med"/>
-                      <a:tailEnd type="none" w="med" len="med"/>
-                    </a:lnB>
-                    <a:lnTlToBr>
-                      <a:noFill/>
-                    </a:lnTlToBr>
-                    <a:lnBlToTr>
-                      <a:noFill/>
-                    </a:lnBlToTr>
-                    <a:noFill/>
-                  </a:tcPr>
-                </a:tc>
-                <a:extLst>
-                  <a:ext uri="{0D108BD9-81ED-4DB2-BD59-A6C34878D82A}">
-                    <a16:rowId xmlns:a16="http://schemas.microsoft.com/office/drawing/2014/main" val="10005"/>
-                  </a:ext>
-                </a:extLst>
-              </a:tr>
-              <a:tr h="297639">
-                <a:tc>
-                  <a:txBody>
-                    <a:bodyPr/>
-                    <a:lstStyle/>
-                    <a:p>
-                      <a:pPr indent="0" algn="ctr">
-                        <a:buNone/>
-                      </a:pPr>
-                      <a:r>
-                        <a:rPr lang="en-US" sz="1000" b="0" dirty="0" err="1">
-                          <a:latin typeface="华文楷体" panose="02010600040101010101" pitchFamily="2" charset="-122"/>
-                          <a:ea typeface="华文楷体" panose="02010600040101010101" pitchFamily="2" charset="-122"/>
-                          <a:cs typeface="Times New Roman" panose="02020603050405020304" pitchFamily="18" charset="0"/>
-                        </a:rPr>
-                        <a:t>五次循环后：H为目的状态，搜索成功</a:t>
-                      </a:r>
-                      <a:endParaRPr lang="en-US" altLang="en-US" sz="1000" b="0" dirty="0">
-                        <a:latin typeface="华文楷体" panose="02010600040101010101" pitchFamily="2" charset="-122"/>
-                        <a:ea typeface="华文楷体" panose="02010600040101010101" pitchFamily="2" charset="-122"/>
-                        <a:cs typeface="Times New Roman" panose="02020603050405020304" pitchFamily="18" charset="0"/>
-                      </a:endParaRPr>
-                    </a:p>
-                  </a:txBody>
-                  <a:tcPr marL="68580" marR="68580" marT="0" marB="0">
-                    <a:lnL w="12700" cap="flat" cmpd="sng">
-                      <a:solidFill>
-                        <a:srgbClr val="080000"/>
-                      </a:solidFill>
-                      <a:prstDash val="solid"/>
-                      <a:headEnd type="none" w="med" len="med"/>
-                      <a:tailEnd type="none" w="med" len="med"/>
-                    </a:lnL>
-                    <a:lnR w="12700" cap="flat" cmpd="sng">
-                      <a:solidFill>
-                        <a:srgbClr val="080000"/>
-                      </a:solidFill>
-                      <a:prstDash val="solid"/>
-                      <a:headEnd type="none" w="med" len="med"/>
-                      <a:tailEnd type="none" w="med" len="med"/>
-                    </a:lnR>
-                    <a:lnT w="12700" cap="flat" cmpd="sng">
-                      <a:solidFill>
-                        <a:srgbClr val="080000"/>
-                      </a:solidFill>
-                      <a:prstDash val="solid"/>
-                      <a:headEnd type="none" w="med" len="med"/>
-                      <a:tailEnd type="none" w="med" len="med"/>
-                    </a:lnT>
-                    <a:lnB w="12700" cap="flat" cmpd="sng">
-                      <a:solidFill>
-                        <a:srgbClr val="080000"/>
-                      </a:solidFill>
-                      <a:prstDash val="solid"/>
-                      <a:headEnd type="none" w="med" len="med"/>
-                      <a:tailEnd type="none" w="med" len="med"/>
-                    </a:lnB>
-                    <a:lnTlToBr>
-                      <a:noFill/>
-                    </a:lnTlToBr>
-                    <a:lnBlToTr>
-                      <a:noFill/>
-                    </a:lnBlToTr>
-                    <a:noFill/>
-                  </a:tcPr>
-                </a:tc>
-                <a:tc>
-                  <a:txBody>
-                    <a:bodyPr/>
-                    <a:lstStyle/>
-                    <a:p>
-                      <a:pPr indent="0" algn="ctr">
-                        <a:buNone/>
-                      </a:pPr>
-                      <a:r>
-                        <a:rPr lang="en-US" sz="1000" b="0" dirty="0">
-                          <a:latin typeface="华文楷体" panose="02010600040101010101" pitchFamily="2" charset="-122"/>
-                          <a:ea typeface="华文楷体" panose="02010600040101010101" pitchFamily="2" charset="-122"/>
-                          <a:cs typeface="Times New Roman" panose="02020603050405020304" pitchFamily="18" charset="0"/>
-                        </a:rPr>
-                        <a:t>(S(4), A(5), E(6), G(5), H(4) )</a:t>
-                      </a:r>
-                      <a:endParaRPr lang="en-US" altLang="en-US" sz="1000" b="0" dirty="0">
-                        <a:latin typeface="华文楷体" panose="02010600040101010101" pitchFamily="2" charset="-122"/>
-                        <a:ea typeface="华文楷体" panose="02010600040101010101" pitchFamily="2" charset="-122"/>
-                        <a:cs typeface="Times New Roman" panose="02020603050405020304" pitchFamily="18" charset="0"/>
-                      </a:endParaRPr>
-                    </a:p>
-                  </a:txBody>
-                  <a:tcPr marL="68580" marR="68580" marT="0" marB="0">
-                    <a:lnL w="12700" cap="flat" cmpd="sng">
-                      <a:solidFill>
-                        <a:srgbClr val="080000"/>
-                      </a:solidFill>
-                      <a:prstDash val="solid"/>
-                      <a:headEnd type="none" w="med" len="med"/>
-                      <a:tailEnd type="none" w="med" len="med"/>
-                    </a:lnL>
-                    <a:lnR w="12700" cap="flat" cmpd="sng">
-                      <a:solidFill>
-                        <a:srgbClr val="080000"/>
-                      </a:solidFill>
-                      <a:prstDash val="solid"/>
-                      <a:headEnd type="none" w="med" len="med"/>
-                      <a:tailEnd type="none" w="med" len="med"/>
-                    </a:lnR>
-                    <a:lnT w="12700" cap="flat" cmpd="sng">
-                      <a:solidFill>
-                        <a:srgbClr val="080000"/>
-                      </a:solidFill>
-                      <a:prstDash val="solid"/>
-                      <a:headEnd type="none" w="med" len="med"/>
-                      <a:tailEnd type="none" w="med" len="med"/>
-                    </a:lnT>
-                    <a:lnB w="12700" cap="flat" cmpd="sng">
-                      <a:solidFill>
-                        <a:srgbClr val="080000"/>
-                      </a:solidFill>
-                      <a:prstDash val="solid"/>
-                      <a:headEnd type="none" w="med" len="med"/>
-                      <a:tailEnd type="none" w="med" len="med"/>
-                    </a:lnB>
-                    <a:lnTlToBr>
-                      <a:noFill/>
-                    </a:lnTlToBr>
-                    <a:lnBlToTr>
-                      <a:noFill/>
-                    </a:lnBlToTr>
-                    <a:noFill/>
-                  </a:tcPr>
-                </a:tc>
-                <a:extLst>
-                  <a:ext uri="{0D108BD9-81ED-4DB2-BD59-A6C34878D82A}">
-                    <a16:rowId xmlns:a16="http://schemas.microsoft.com/office/drawing/2014/main" val="10006"/>
-                  </a:ext>
-                </a:extLst>
-              </a:tr>
-            </a:tbl>
-          </a:graphicData>
-        </a:graphic>
-      </p:graphicFrame>
-    </p:spTree>
-  </p:cSld>
-  <p:clrMapOvr>
-    <a:masterClrMapping/>
-  </p:clrMapOvr>
-</p:sld>
-</file>
-
-<file path=ppt/slides/slide8.xml><?xml version="1.0" encoding="utf-8"?>
-<p:sld xmlns:a="http://schemas.openxmlformats.org/drawingml/2006/main" xmlns:r="http://schemas.openxmlformats.org/officeDocument/2006/relationships" xmlns:p="http://schemas.openxmlformats.org/presentationml/2006/main">
-  <p:cSld>
-    <p:spTree>
-      <p:nvGrpSpPr>
-        <p:cNvPr id="1" name=""/>
-        <p:cNvGrpSpPr/>
-        <p:nvPr/>
-      </p:nvGrpSpPr>
-      <p:grpSpPr>
-        <a:xfrm>
-          <a:off x="0" y="0"/>
-          <a:ext cx="0" cy="0"/>
-          <a:chOff x="0" y="0"/>
-          <a:chExt cx="0" cy="0"/>
-        </a:xfrm>
-      </p:grpSpPr>
       <p:sp>
         <p:nvSpPr>
-          <p:cNvPr id="14" name="Title 1"/>
-          <p:cNvSpPr>
-            <a:spLocks noGrp="1"/>
-          </p:cNvSpPr>
-          <p:nvPr>
-            <p:ph type="title"/>
-          </p:nvPr>
+          <p:cNvPr id="37" name="箭头: 燕尾形 36">
+            <a:extLst>
+              <a:ext uri="{FF2B5EF4-FFF2-40B4-BE49-F238E27FC236}">
+                <a16:creationId xmlns:a16="http://schemas.microsoft.com/office/drawing/2014/main" id="{85517C92-0C6F-42C5-938F-16BA8428DD22}"/>
+              </a:ext>
+            </a:extLst>
+          </p:cNvPr>
+          <p:cNvSpPr/>
+          <p:nvPr/>
         </p:nvSpPr>
         <p:spPr>
           <a:xfrm>
-            <a:off x="1547664" y="267494"/>
-            <a:ext cx="2304256" cy="534771"/>
+            <a:off x="2819141" y="1275606"/>
+            <a:ext cx="792088" cy="234042"/>
           </a:xfrm>
+          <a:prstGeom prst="notchedRightArrow">
+            <a:avLst/>
+          </a:prstGeom>
+          <a:ln>
+            <a:noFill/>
+          </a:ln>
+        </p:spPr>
+        <p:style>
+          <a:lnRef idx="2">
+            <a:schemeClr val="accent1">
+              <a:shade val="50000"/>
+            </a:schemeClr>
+          </a:lnRef>
+          <a:fillRef idx="1">
+            <a:schemeClr val="accent1"/>
+          </a:fillRef>
+          <a:effectRef idx="0">
+            <a:schemeClr val="accent1"/>
+          </a:effectRef>
+          <a:fontRef idx="minor">
+            <a:schemeClr val="lt1"/>
+          </a:fontRef>
+        </p:style>
+        <p:txBody>
+          <a:bodyPr rtlCol="0" anchor="ctr"/>
+          <a:lstStyle/>
+          <a:p>
+            <a:pPr algn="ctr"/>
+            <a:endParaRPr lang="zh-CN" altLang="en-US"/>
+          </a:p>
+        </p:txBody>
+      </p:sp>
+      <p:sp>
+        <p:nvSpPr>
+          <p:cNvPr id="41" name="文本框 40">
+            <a:extLst>
+              <a:ext uri="{FF2B5EF4-FFF2-40B4-BE49-F238E27FC236}">
+                <a16:creationId xmlns:a16="http://schemas.microsoft.com/office/drawing/2014/main" id="{A789928C-3439-45B8-AA4B-11ED114227E8}"/>
+              </a:ext>
+            </a:extLst>
+          </p:cNvPr>
+          <p:cNvSpPr txBox="1"/>
+          <p:nvPr/>
+        </p:nvSpPr>
+        <p:spPr>
+          <a:xfrm>
+            <a:off x="1691680" y="2377708"/>
+            <a:ext cx="1299788" cy="369332"/>
+          </a:xfrm>
+          <a:prstGeom prst="rect">
+            <a:avLst/>
+          </a:prstGeom>
+          <a:noFill/>
         </p:spPr>
         <p:txBody>
-          <a:bodyPr/>
+          <a:bodyPr wrap="square">
+            <a:spAutoFit/>
+          </a:bodyPr>
           <a:lstStyle/>
           <a:p>
             <a:r>
-              <a:rPr lang="en-US" altLang="zh-CN" sz="2800" dirty="0">
+              <a:rPr lang="zh-CN" altLang="en-US" sz="1800" dirty="0">
+                <a:solidFill>
+                  <a:srgbClr val="FF0000"/>
+                </a:solidFill>
                 <a:latin typeface="华文楷体" panose="02010600040101010101" pitchFamily="2" charset="-122"/>
                 <a:ea typeface="华文楷体" panose="02010600040101010101" pitchFamily="2" charset="-122"/>
               </a:rPr>
-              <a:t>5.</a:t>
+              <a:t>动态过程：</a:t>
             </a:r>
-            <a:r>
-              <a:rPr lang="zh-CN" altLang="en-US" sz="2800" dirty="0">
-                <a:latin typeface="华文楷体" panose="02010600040101010101" pitchFamily="2" charset="-122"/>
-                <a:ea typeface="华文楷体" panose="02010600040101010101" pitchFamily="2" charset="-122"/>
-              </a:rPr>
-              <a:t>搜索树状态</a:t>
-            </a:r>
-            <a:endParaRPr lang="ko-KR" altLang="en-US" sz="2800" dirty="0">
-              <a:latin typeface="华文楷体" panose="02010600040101010101" pitchFamily="2" charset="-122"/>
+            <a:endParaRPr lang="zh-CN" altLang="en-US" dirty="0">
+              <a:solidFill>
+                <a:srgbClr val="FF0000"/>
+              </a:solidFill>
             </a:endParaRPr>
           </a:p>
         </p:txBody>
       </p:sp>
       <p:pic>
         <p:nvPicPr>
-          <p:cNvPr id="7" name="图片 7"/>
+          <p:cNvPr id="2" name="图片 1">
+            <a:extLst>
+              <a:ext uri="{FF2B5EF4-FFF2-40B4-BE49-F238E27FC236}">
+                <a16:creationId xmlns:a16="http://schemas.microsoft.com/office/drawing/2014/main" id="{D4844346-A5BA-4D6A-9695-68B5F6356349}"/>
+              </a:ext>
+            </a:extLst>
+          </p:cNvPr>
           <p:cNvPicPr>
             <a:picLocks noChangeAspect="1"/>
           </p:cNvPicPr>
           <p:nvPr/>
         </p:nvPicPr>
         <p:blipFill>
-          <a:blip r:embed="rId2"/>
+          <a:blip r:embed="rId4"/>
           <a:stretch>
             <a:fillRect/>
           </a:stretch>
         </p:blipFill>
         <p:spPr>
           <a:xfrm>
-            <a:off x="1802448" y="763905"/>
-            <a:ext cx="5539105" cy="3870960"/>
+            <a:off x="5079524" y="164635"/>
+            <a:ext cx="3884963" cy="4814229"/>
+          </a:xfrm>
+          <a:prstGeom prst="rect">
+            <a:avLst/>
+          </a:prstGeom>
+        </p:spPr>
+      </p:pic>
+      <p:pic>
+        <p:nvPicPr>
+          <p:cNvPr id="15" name="图片 14">
+            <a:extLst>
+              <a:ext uri="{FF2B5EF4-FFF2-40B4-BE49-F238E27FC236}">
+                <a16:creationId xmlns:a16="http://schemas.microsoft.com/office/drawing/2014/main" id="{2D0676F4-8EE0-432D-9EAC-E1CE92D9E348}"/>
+              </a:ext>
+            </a:extLst>
+          </p:cNvPr>
+          <p:cNvPicPr>
+            <a:picLocks noChangeAspect="1"/>
+          </p:cNvPicPr>
+          <p:nvPr/>
+        </p:nvPicPr>
+        <p:blipFill>
+          <a:blip r:embed="rId5"/>
+          <a:stretch>
+            <a:fillRect/>
+          </a:stretch>
+        </p:blipFill>
+        <p:spPr>
+          <a:xfrm>
+            <a:off x="5113793" y="245434"/>
+            <a:ext cx="3816424" cy="4814229"/>
+          </a:xfrm>
+          <a:prstGeom prst="rect">
+            <a:avLst/>
+          </a:prstGeom>
+        </p:spPr>
+      </p:pic>
+      <p:pic>
+        <p:nvPicPr>
+          <p:cNvPr id="8" name="图片 7">
+            <a:extLst>
+              <a:ext uri="{FF2B5EF4-FFF2-40B4-BE49-F238E27FC236}">
+                <a16:creationId xmlns:a16="http://schemas.microsoft.com/office/drawing/2014/main" id="{1F022CFA-F3E2-4E55-9AF0-C3CF6EE716AD}"/>
+              </a:ext>
+            </a:extLst>
+          </p:cNvPr>
+          <p:cNvPicPr>
+            <a:picLocks noChangeAspect="1"/>
+          </p:cNvPicPr>
+          <p:nvPr/>
+        </p:nvPicPr>
+        <p:blipFill>
+          <a:blip r:embed="rId6"/>
+          <a:stretch>
+            <a:fillRect/>
+          </a:stretch>
+        </p:blipFill>
+        <p:spPr>
+          <a:xfrm>
+            <a:off x="1919092" y="2732699"/>
+            <a:ext cx="1851747" cy="1861147"/>
+          </a:xfrm>
+          <a:prstGeom prst="rect">
+            <a:avLst/>
+          </a:prstGeom>
+        </p:spPr>
+      </p:pic>
+      <p:pic>
+        <p:nvPicPr>
+          <p:cNvPr id="11" name="图片 10">
+            <a:extLst>
+              <a:ext uri="{FF2B5EF4-FFF2-40B4-BE49-F238E27FC236}">
+                <a16:creationId xmlns:a16="http://schemas.microsoft.com/office/drawing/2014/main" id="{B49096C2-328B-4D8C-ADB4-7431F40CA4B8}"/>
+              </a:ext>
+            </a:extLst>
+          </p:cNvPr>
+          <p:cNvPicPr>
+            <a:picLocks noChangeAspect="1"/>
+          </p:cNvPicPr>
+          <p:nvPr/>
+        </p:nvPicPr>
+        <p:blipFill>
+          <a:blip r:embed="rId7"/>
+          <a:stretch>
+            <a:fillRect/>
+          </a:stretch>
+        </p:blipFill>
+        <p:spPr>
+          <a:xfrm>
+            <a:off x="1907704" y="2722871"/>
+            <a:ext cx="1851723" cy="1861147"/>
+          </a:xfrm>
+          <a:prstGeom prst="rect">
+            <a:avLst/>
+          </a:prstGeom>
+        </p:spPr>
+      </p:pic>
+      <p:pic>
+        <p:nvPicPr>
+          <p:cNvPr id="13" name="图片 12">
+            <a:extLst>
+              <a:ext uri="{FF2B5EF4-FFF2-40B4-BE49-F238E27FC236}">
+                <a16:creationId xmlns:a16="http://schemas.microsoft.com/office/drawing/2014/main" id="{589A8B7A-223E-4C19-AB07-F1B8C2406507}"/>
+              </a:ext>
+            </a:extLst>
+          </p:cNvPr>
+          <p:cNvPicPr>
+            <a:picLocks noChangeAspect="1"/>
+          </p:cNvPicPr>
+          <p:nvPr/>
+        </p:nvPicPr>
+        <p:blipFill>
+          <a:blip r:embed="rId8"/>
+          <a:stretch>
+            <a:fillRect/>
+          </a:stretch>
+        </p:blipFill>
+        <p:spPr>
+          <a:xfrm>
+            <a:off x="1893279" y="2732699"/>
+            <a:ext cx="1851723" cy="1861099"/>
+          </a:xfrm>
+          <a:prstGeom prst="rect">
+            <a:avLst/>
+          </a:prstGeom>
+        </p:spPr>
+      </p:pic>
+      <p:pic>
+        <p:nvPicPr>
+          <p:cNvPr id="18" name="图片 17">
+            <a:extLst>
+              <a:ext uri="{FF2B5EF4-FFF2-40B4-BE49-F238E27FC236}">
+                <a16:creationId xmlns:a16="http://schemas.microsoft.com/office/drawing/2014/main" id="{4A7FAA1F-4F47-482A-AA79-B10623147E6C}"/>
+              </a:ext>
+            </a:extLst>
+          </p:cNvPr>
+          <p:cNvPicPr>
+            <a:picLocks noChangeAspect="1"/>
+          </p:cNvPicPr>
+          <p:nvPr/>
+        </p:nvPicPr>
+        <p:blipFill>
+          <a:blip r:embed="rId9"/>
+          <a:stretch>
+            <a:fillRect/>
+          </a:stretch>
+        </p:blipFill>
+        <p:spPr>
+          <a:xfrm>
+            <a:off x="1900491" y="2732959"/>
+            <a:ext cx="1844511" cy="1863381"/>
+          </a:xfrm>
+          <a:prstGeom prst="rect">
+            <a:avLst/>
+          </a:prstGeom>
+        </p:spPr>
+      </p:pic>
+      <p:pic>
+        <p:nvPicPr>
+          <p:cNvPr id="22" name="图片 21">
+            <a:extLst>
+              <a:ext uri="{FF2B5EF4-FFF2-40B4-BE49-F238E27FC236}">
+                <a16:creationId xmlns:a16="http://schemas.microsoft.com/office/drawing/2014/main" id="{DAF44375-AB77-411D-851E-01821C3C28E5}"/>
+              </a:ext>
+            </a:extLst>
+          </p:cNvPr>
+          <p:cNvPicPr>
+            <a:picLocks noChangeAspect="1"/>
+          </p:cNvPicPr>
+          <p:nvPr/>
+        </p:nvPicPr>
+        <p:blipFill>
+          <a:blip r:embed="rId10"/>
+          <a:stretch>
+            <a:fillRect/>
+          </a:stretch>
+        </p:blipFill>
+        <p:spPr>
+          <a:xfrm>
+            <a:off x="1921599" y="2732896"/>
+            <a:ext cx="1818482" cy="1851122"/>
+          </a:xfrm>
+          <a:prstGeom prst="rect">
+            <a:avLst/>
+          </a:prstGeom>
+        </p:spPr>
+      </p:pic>
+      <p:pic>
+        <p:nvPicPr>
+          <p:cNvPr id="25" name="图片 24">
+            <a:extLst>
+              <a:ext uri="{FF2B5EF4-FFF2-40B4-BE49-F238E27FC236}">
+                <a16:creationId xmlns:a16="http://schemas.microsoft.com/office/drawing/2014/main" id="{CAC14232-8BEE-47E2-8460-072A77494B2A}"/>
+              </a:ext>
+            </a:extLst>
+          </p:cNvPr>
+          <p:cNvPicPr>
+            <a:picLocks noChangeAspect="1"/>
+          </p:cNvPicPr>
+          <p:nvPr/>
+        </p:nvPicPr>
+        <p:blipFill>
+          <a:blip r:embed="rId11"/>
+          <a:stretch>
+            <a:fillRect/>
+          </a:stretch>
+        </p:blipFill>
+        <p:spPr>
+          <a:xfrm>
+            <a:off x="3939008" y="2646871"/>
+            <a:ext cx="944363" cy="972321"/>
           </a:xfrm>
           <a:prstGeom prst="rect">
             <a:avLst/>
@@ -30812,6 +31266,600 @@
   <p:clrMapOvr>
     <a:masterClrMapping/>
   </p:clrMapOvr>
+  <p:timing>
+    <p:tnLst>
+      <p:par>
+        <p:cTn id="1" dur="indefinite" restart="never" nodeType="tmRoot">
+          <p:childTnLst>
+            <p:seq concurrent="1" nextAc="seek">
+              <p:cTn id="2" dur="indefinite" nodeType="mainSeq">
+                <p:childTnLst>
+                  <p:par>
+                    <p:cTn id="3" fill="hold">
+                      <p:stCondLst>
+                        <p:cond delay="indefinite"/>
+                      </p:stCondLst>
+                      <p:childTnLst>
+                        <p:par>
+                          <p:cTn id="4" fill="hold">
+                            <p:stCondLst>
+                              <p:cond delay="0"/>
+                            </p:stCondLst>
+                            <p:childTnLst>
+                              <p:par>
+                                <p:cTn id="5" presetID="22" presetClass="entr" presetSubtype="4" fill="hold" nodeType="clickEffect">
+                                  <p:stCondLst>
+                                    <p:cond delay="0"/>
+                                  </p:stCondLst>
+                                  <p:childTnLst>
+                                    <p:set>
+                                      <p:cBhvr>
+                                        <p:cTn id="6" dur="1" fill="hold">
+                                          <p:stCondLst>
+                                            <p:cond delay="0"/>
+                                          </p:stCondLst>
+                                        </p:cTn>
+                                        <p:tgtEl>
+                                          <p:spTgt spid="2"/>
+                                        </p:tgtEl>
+                                        <p:attrNameLst>
+                                          <p:attrName>style.visibility</p:attrName>
+                                        </p:attrNameLst>
+                                      </p:cBhvr>
+                                      <p:to>
+                                        <p:strVal val="visible"/>
+                                      </p:to>
+                                    </p:set>
+                                    <p:animEffect transition="in" filter="wipe(down)">
+                                      <p:cBhvr>
+                                        <p:cTn id="7" dur="500"/>
+                                        <p:tgtEl>
+                                          <p:spTgt spid="2"/>
+                                        </p:tgtEl>
+                                      </p:cBhvr>
+                                    </p:animEffect>
+                                  </p:childTnLst>
+                                </p:cTn>
+                              </p:par>
+                            </p:childTnLst>
+                          </p:cTn>
+                        </p:par>
+                      </p:childTnLst>
+                    </p:cTn>
+                  </p:par>
+                  <p:par>
+                    <p:cTn id="8" fill="hold">
+                      <p:stCondLst>
+                        <p:cond delay="indefinite"/>
+                      </p:stCondLst>
+                      <p:childTnLst>
+                        <p:par>
+                          <p:cTn id="9" fill="hold">
+                            <p:stCondLst>
+                              <p:cond delay="0"/>
+                            </p:stCondLst>
+                            <p:childTnLst>
+                              <p:par>
+                                <p:cTn id="10" presetID="2" presetClass="entr" presetSubtype="4" fill="hold" grpId="0" nodeType="clickEffect">
+                                  <p:stCondLst>
+                                    <p:cond delay="0"/>
+                                  </p:stCondLst>
+                                  <p:childTnLst>
+                                    <p:set>
+                                      <p:cBhvr>
+                                        <p:cTn id="11" dur="1" fill="hold">
+                                          <p:stCondLst>
+                                            <p:cond delay="0"/>
+                                          </p:stCondLst>
+                                        </p:cTn>
+                                        <p:tgtEl>
+                                          <p:spTgt spid="41"/>
+                                        </p:tgtEl>
+                                        <p:attrNameLst>
+                                          <p:attrName>style.visibility</p:attrName>
+                                        </p:attrNameLst>
+                                      </p:cBhvr>
+                                      <p:to>
+                                        <p:strVal val="visible"/>
+                                      </p:to>
+                                    </p:set>
+                                    <p:anim calcmode="lin" valueType="num">
+                                      <p:cBhvr additive="base">
+                                        <p:cTn id="12" dur="500" fill="hold"/>
+                                        <p:tgtEl>
+                                          <p:spTgt spid="41"/>
+                                        </p:tgtEl>
+                                        <p:attrNameLst>
+                                          <p:attrName>ppt_x</p:attrName>
+                                        </p:attrNameLst>
+                                      </p:cBhvr>
+                                      <p:tavLst>
+                                        <p:tav tm="0">
+                                          <p:val>
+                                            <p:strVal val="#ppt_x"/>
+                                          </p:val>
+                                        </p:tav>
+                                        <p:tav tm="100000">
+                                          <p:val>
+                                            <p:strVal val="#ppt_x"/>
+                                          </p:val>
+                                        </p:tav>
+                                      </p:tavLst>
+                                    </p:anim>
+                                    <p:anim calcmode="lin" valueType="num">
+                                      <p:cBhvr additive="base">
+                                        <p:cTn id="13" dur="500" fill="hold"/>
+                                        <p:tgtEl>
+                                          <p:spTgt spid="41"/>
+                                        </p:tgtEl>
+                                        <p:attrNameLst>
+                                          <p:attrName>ppt_y</p:attrName>
+                                        </p:attrNameLst>
+                                      </p:cBhvr>
+                                      <p:tavLst>
+                                        <p:tav tm="0">
+                                          <p:val>
+                                            <p:strVal val="1+#ppt_h/2"/>
+                                          </p:val>
+                                        </p:tav>
+                                        <p:tav tm="100000">
+                                          <p:val>
+                                            <p:strVal val="#ppt_y"/>
+                                          </p:val>
+                                        </p:tav>
+                                      </p:tavLst>
+                                    </p:anim>
+                                  </p:childTnLst>
+                                </p:cTn>
+                              </p:par>
+                            </p:childTnLst>
+                          </p:cTn>
+                        </p:par>
+                      </p:childTnLst>
+                    </p:cTn>
+                  </p:par>
+                  <p:par>
+                    <p:cTn id="14" fill="hold">
+                      <p:stCondLst>
+                        <p:cond delay="indefinite"/>
+                      </p:stCondLst>
+                      <p:childTnLst>
+                        <p:par>
+                          <p:cTn id="15" fill="hold">
+                            <p:stCondLst>
+                              <p:cond delay="0"/>
+                            </p:stCondLst>
+                            <p:childTnLst>
+                              <p:par>
+                                <p:cTn id="16" presetID="42" presetClass="entr" presetSubtype="0" fill="hold" nodeType="clickEffect">
+                                  <p:stCondLst>
+                                    <p:cond delay="0"/>
+                                  </p:stCondLst>
+                                  <p:childTnLst>
+                                    <p:set>
+                                      <p:cBhvr>
+                                        <p:cTn id="17" dur="1" fill="hold">
+                                          <p:stCondLst>
+                                            <p:cond delay="0"/>
+                                          </p:stCondLst>
+                                        </p:cTn>
+                                        <p:tgtEl>
+                                          <p:spTgt spid="8"/>
+                                        </p:tgtEl>
+                                        <p:attrNameLst>
+                                          <p:attrName>style.visibility</p:attrName>
+                                        </p:attrNameLst>
+                                      </p:cBhvr>
+                                      <p:to>
+                                        <p:strVal val="visible"/>
+                                      </p:to>
+                                    </p:set>
+                                    <p:animEffect transition="in" filter="fade">
+                                      <p:cBhvr>
+                                        <p:cTn id="18" dur="1000"/>
+                                        <p:tgtEl>
+                                          <p:spTgt spid="8"/>
+                                        </p:tgtEl>
+                                      </p:cBhvr>
+                                    </p:animEffect>
+                                    <p:anim calcmode="lin" valueType="num">
+                                      <p:cBhvr>
+                                        <p:cTn id="19" dur="1000" fill="hold"/>
+                                        <p:tgtEl>
+                                          <p:spTgt spid="8"/>
+                                        </p:tgtEl>
+                                        <p:attrNameLst>
+                                          <p:attrName>ppt_x</p:attrName>
+                                        </p:attrNameLst>
+                                      </p:cBhvr>
+                                      <p:tavLst>
+                                        <p:tav tm="0">
+                                          <p:val>
+                                            <p:strVal val="#ppt_x"/>
+                                          </p:val>
+                                        </p:tav>
+                                        <p:tav tm="100000">
+                                          <p:val>
+                                            <p:strVal val="#ppt_x"/>
+                                          </p:val>
+                                        </p:tav>
+                                      </p:tavLst>
+                                    </p:anim>
+                                    <p:anim calcmode="lin" valueType="num">
+                                      <p:cBhvr>
+                                        <p:cTn id="20" dur="1000" fill="hold"/>
+                                        <p:tgtEl>
+                                          <p:spTgt spid="8"/>
+                                        </p:tgtEl>
+                                        <p:attrNameLst>
+                                          <p:attrName>ppt_y</p:attrName>
+                                        </p:attrNameLst>
+                                      </p:cBhvr>
+                                      <p:tavLst>
+                                        <p:tav tm="0">
+                                          <p:val>
+                                            <p:strVal val="#ppt_y+.1"/>
+                                          </p:val>
+                                        </p:tav>
+                                        <p:tav tm="100000">
+                                          <p:val>
+                                            <p:strVal val="#ppt_y"/>
+                                          </p:val>
+                                        </p:tav>
+                                      </p:tavLst>
+                                    </p:anim>
+                                  </p:childTnLst>
+                                </p:cTn>
+                              </p:par>
+                            </p:childTnLst>
+                          </p:cTn>
+                        </p:par>
+                      </p:childTnLst>
+                    </p:cTn>
+                  </p:par>
+                  <p:par>
+                    <p:cTn id="21" fill="hold">
+                      <p:stCondLst>
+                        <p:cond delay="indefinite"/>
+                      </p:stCondLst>
+                      <p:childTnLst>
+                        <p:par>
+                          <p:cTn id="22" fill="hold">
+                            <p:stCondLst>
+                              <p:cond delay="0"/>
+                            </p:stCondLst>
+                            <p:childTnLst>
+                              <p:par>
+                                <p:cTn id="23" presetID="10" presetClass="entr" presetSubtype="0" fill="hold" nodeType="clickEffect">
+                                  <p:stCondLst>
+                                    <p:cond delay="0"/>
+                                  </p:stCondLst>
+                                  <p:childTnLst>
+                                    <p:set>
+                                      <p:cBhvr>
+                                        <p:cTn id="24" dur="1" fill="hold">
+                                          <p:stCondLst>
+                                            <p:cond delay="0"/>
+                                          </p:stCondLst>
+                                        </p:cTn>
+                                        <p:tgtEl>
+                                          <p:spTgt spid="11"/>
+                                        </p:tgtEl>
+                                        <p:attrNameLst>
+                                          <p:attrName>style.visibility</p:attrName>
+                                        </p:attrNameLst>
+                                      </p:cBhvr>
+                                      <p:to>
+                                        <p:strVal val="visible"/>
+                                      </p:to>
+                                    </p:set>
+                                    <p:animEffect transition="in" filter="fade">
+                                      <p:cBhvr>
+                                        <p:cTn id="25" dur="500"/>
+                                        <p:tgtEl>
+                                          <p:spTgt spid="11"/>
+                                        </p:tgtEl>
+                                      </p:cBhvr>
+                                    </p:animEffect>
+                                  </p:childTnLst>
+                                </p:cTn>
+                              </p:par>
+                            </p:childTnLst>
+                          </p:cTn>
+                        </p:par>
+                      </p:childTnLst>
+                    </p:cTn>
+                  </p:par>
+                  <p:par>
+                    <p:cTn id="26" fill="hold">
+                      <p:stCondLst>
+                        <p:cond delay="indefinite"/>
+                      </p:stCondLst>
+                      <p:childTnLst>
+                        <p:par>
+                          <p:cTn id="27" fill="hold">
+                            <p:stCondLst>
+                              <p:cond delay="0"/>
+                            </p:stCondLst>
+                            <p:childTnLst>
+                              <p:par>
+                                <p:cTn id="28" presetID="10" presetClass="entr" presetSubtype="0" fill="hold" nodeType="clickEffect">
+                                  <p:stCondLst>
+                                    <p:cond delay="0"/>
+                                  </p:stCondLst>
+                                  <p:childTnLst>
+                                    <p:set>
+                                      <p:cBhvr>
+                                        <p:cTn id="29" dur="1" fill="hold">
+                                          <p:stCondLst>
+                                            <p:cond delay="0"/>
+                                          </p:stCondLst>
+                                        </p:cTn>
+                                        <p:tgtEl>
+                                          <p:spTgt spid="13"/>
+                                        </p:tgtEl>
+                                        <p:attrNameLst>
+                                          <p:attrName>style.visibility</p:attrName>
+                                        </p:attrNameLst>
+                                      </p:cBhvr>
+                                      <p:to>
+                                        <p:strVal val="visible"/>
+                                      </p:to>
+                                    </p:set>
+                                    <p:animEffect transition="in" filter="fade">
+                                      <p:cBhvr>
+                                        <p:cTn id="30" dur="500"/>
+                                        <p:tgtEl>
+                                          <p:spTgt spid="13"/>
+                                        </p:tgtEl>
+                                      </p:cBhvr>
+                                    </p:animEffect>
+                                  </p:childTnLst>
+                                </p:cTn>
+                              </p:par>
+                            </p:childTnLst>
+                          </p:cTn>
+                        </p:par>
+                      </p:childTnLst>
+                    </p:cTn>
+                  </p:par>
+                  <p:par>
+                    <p:cTn id="31" fill="hold">
+                      <p:stCondLst>
+                        <p:cond delay="indefinite"/>
+                      </p:stCondLst>
+                      <p:childTnLst>
+                        <p:par>
+                          <p:cTn id="32" fill="hold">
+                            <p:stCondLst>
+                              <p:cond delay="0"/>
+                            </p:stCondLst>
+                            <p:childTnLst>
+                              <p:par>
+                                <p:cTn id="33" presetID="10" presetClass="entr" presetSubtype="0" fill="hold" nodeType="clickEffect">
+                                  <p:stCondLst>
+                                    <p:cond delay="0"/>
+                                  </p:stCondLst>
+                                  <p:childTnLst>
+                                    <p:set>
+                                      <p:cBhvr>
+                                        <p:cTn id="34" dur="1" fill="hold">
+                                          <p:stCondLst>
+                                            <p:cond delay="0"/>
+                                          </p:stCondLst>
+                                        </p:cTn>
+                                        <p:tgtEl>
+                                          <p:spTgt spid="18"/>
+                                        </p:tgtEl>
+                                        <p:attrNameLst>
+                                          <p:attrName>style.visibility</p:attrName>
+                                        </p:attrNameLst>
+                                      </p:cBhvr>
+                                      <p:to>
+                                        <p:strVal val="visible"/>
+                                      </p:to>
+                                    </p:set>
+                                    <p:animEffect transition="in" filter="fade">
+                                      <p:cBhvr>
+                                        <p:cTn id="35" dur="500"/>
+                                        <p:tgtEl>
+                                          <p:spTgt spid="18"/>
+                                        </p:tgtEl>
+                                      </p:cBhvr>
+                                    </p:animEffect>
+                                  </p:childTnLst>
+                                </p:cTn>
+                              </p:par>
+                            </p:childTnLst>
+                          </p:cTn>
+                        </p:par>
+                      </p:childTnLst>
+                    </p:cTn>
+                  </p:par>
+                  <p:par>
+                    <p:cTn id="36" fill="hold">
+                      <p:stCondLst>
+                        <p:cond delay="indefinite"/>
+                      </p:stCondLst>
+                      <p:childTnLst>
+                        <p:par>
+                          <p:cTn id="37" fill="hold">
+                            <p:stCondLst>
+                              <p:cond delay="0"/>
+                            </p:stCondLst>
+                            <p:childTnLst>
+                              <p:par>
+                                <p:cTn id="38" presetID="10" presetClass="entr" presetSubtype="0" fill="hold" nodeType="clickEffect">
+                                  <p:stCondLst>
+                                    <p:cond delay="0"/>
+                                  </p:stCondLst>
+                                  <p:childTnLst>
+                                    <p:set>
+                                      <p:cBhvr>
+                                        <p:cTn id="39" dur="1" fill="hold">
+                                          <p:stCondLst>
+                                            <p:cond delay="0"/>
+                                          </p:stCondLst>
+                                        </p:cTn>
+                                        <p:tgtEl>
+                                          <p:spTgt spid="22"/>
+                                        </p:tgtEl>
+                                        <p:attrNameLst>
+                                          <p:attrName>style.visibility</p:attrName>
+                                        </p:attrNameLst>
+                                      </p:cBhvr>
+                                      <p:to>
+                                        <p:strVal val="visible"/>
+                                      </p:to>
+                                    </p:set>
+                                    <p:animEffect transition="in" filter="fade">
+                                      <p:cBhvr>
+                                        <p:cTn id="40" dur="500"/>
+                                        <p:tgtEl>
+                                          <p:spTgt spid="22"/>
+                                        </p:tgtEl>
+                                      </p:cBhvr>
+                                    </p:animEffect>
+                                  </p:childTnLst>
+                                </p:cTn>
+                              </p:par>
+                            </p:childTnLst>
+                          </p:cTn>
+                        </p:par>
+                      </p:childTnLst>
+                    </p:cTn>
+                  </p:par>
+                  <p:par>
+                    <p:cTn id="41" fill="hold">
+                      <p:stCondLst>
+                        <p:cond delay="indefinite"/>
+                      </p:stCondLst>
+                      <p:childTnLst>
+                        <p:par>
+                          <p:cTn id="42" fill="hold">
+                            <p:stCondLst>
+                              <p:cond delay="0"/>
+                            </p:stCondLst>
+                            <p:childTnLst>
+                              <p:par>
+                                <p:cTn id="43" presetID="22" presetClass="entr" presetSubtype="4" fill="hold" nodeType="clickEffect">
+                                  <p:stCondLst>
+                                    <p:cond delay="0"/>
+                                  </p:stCondLst>
+                                  <p:childTnLst>
+                                    <p:set>
+                                      <p:cBhvr>
+                                        <p:cTn id="44" dur="1" fill="hold">
+                                          <p:stCondLst>
+                                            <p:cond delay="0"/>
+                                          </p:stCondLst>
+                                        </p:cTn>
+                                        <p:tgtEl>
+                                          <p:spTgt spid="25"/>
+                                        </p:tgtEl>
+                                        <p:attrNameLst>
+                                          <p:attrName>style.visibility</p:attrName>
+                                        </p:attrNameLst>
+                                      </p:cBhvr>
+                                      <p:to>
+                                        <p:strVal val="visible"/>
+                                      </p:to>
+                                    </p:set>
+                                    <p:animEffect transition="in" filter="wipe(down)">
+                                      <p:cBhvr>
+                                        <p:cTn id="45" dur="500"/>
+                                        <p:tgtEl>
+                                          <p:spTgt spid="25"/>
+                                        </p:tgtEl>
+                                      </p:cBhvr>
+                                    </p:animEffect>
+                                  </p:childTnLst>
+                                </p:cTn>
+                              </p:par>
+                            </p:childTnLst>
+                          </p:cTn>
+                        </p:par>
+                      </p:childTnLst>
+                    </p:cTn>
+                  </p:par>
+                  <p:par>
+                    <p:cTn id="46" fill="hold">
+                      <p:stCondLst>
+                        <p:cond delay="indefinite"/>
+                      </p:stCondLst>
+                      <p:childTnLst>
+                        <p:par>
+                          <p:cTn id="47" fill="hold">
+                            <p:stCondLst>
+                              <p:cond delay="0"/>
+                            </p:stCondLst>
+                            <p:childTnLst>
+                              <p:par>
+                                <p:cTn id="48" presetID="10" presetClass="entr" presetSubtype="0" fill="hold" nodeType="clickEffect">
+                                  <p:stCondLst>
+                                    <p:cond delay="0"/>
+                                  </p:stCondLst>
+                                  <p:childTnLst>
+                                    <p:set>
+                                      <p:cBhvr>
+                                        <p:cTn id="49" dur="1" fill="hold">
+                                          <p:stCondLst>
+                                            <p:cond delay="0"/>
+                                          </p:stCondLst>
+                                        </p:cTn>
+                                        <p:tgtEl>
+                                          <p:spTgt spid="15"/>
+                                        </p:tgtEl>
+                                        <p:attrNameLst>
+                                          <p:attrName>style.visibility</p:attrName>
+                                        </p:attrNameLst>
+                                      </p:cBhvr>
+                                      <p:to>
+                                        <p:strVal val="visible"/>
+                                      </p:to>
+                                    </p:set>
+                                    <p:animEffect transition="in" filter="fade">
+                                      <p:cBhvr>
+                                        <p:cTn id="50" dur="500"/>
+                                        <p:tgtEl>
+                                          <p:spTgt spid="15"/>
+                                        </p:tgtEl>
+                                      </p:cBhvr>
+                                    </p:animEffect>
+                                  </p:childTnLst>
+                                </p:cTn>
+                              </p:par>
+                            </p:childTnLst>
+                          </p:cTn>
+                        </p:par>
+                      </p:childTnLst>
+                    </p:cTn>
+                  </p:par>
+                </p:childTnLst>
+              </p:cTn>
+              <p:prevCondLst>
+                <p:cond evt="onPrev" delay="0">
+                  <p:tgtEl>
+                    <p:sldTgt/>
+                  </p:tgtEl>
+                </p:cond>
+              </p:prevCondLst>
+              <p:nextCondLst>
+                <p:cond evt="onNext" delay="0">
+                  <p:tgtEl>
+                    <p:sldTgt/>
+                  </p:tgtEl>
+                </p:cond>
+              </p:nextCondLst>
+            </p:seq>
+          </p:childTnLst>
+        </p:cTn>
+      </p:par>
+    </p:tnLst>
+    <p:bldLst>
+      <p:bldP spid="41" grpId="0"/>
+    </p:bldLst>
+  </p:timing>
 </p:sld>
 </file>
 
@@ -30832,52 +31880,12 @@
           <a:chExt cx="0" cy="0"/>
         </a:xfrm>
       </p:grpSpPr>
-      <p:sp>
-        <p:nvSpPr>
-          <p:cNvPr id="14" name="Title 1"/>
-          <p:cNvSpPr>
-            <a:spLocks noGrp="1"/>
-          </p:cNvSpPr>
-          <p:nvPr>
-            <p:ph type="title"/>
-          </p:nvPr>
-        </p:nvSpPr>
-        <p:spPr>
-          <a:xfrm>
-            <a:off x="1547664" y="267494"/>
-            <a:ext cx="2748915" cy="534670"/>
-          </a:xfrm>
-        </p:spPr>
-        <p:txBody>
-          <a:bodyPr/>
-          <a:lstStyle/>
-          <a:p>
-            <a:r>
-              <a:rPr lang="en-US" altLang="zh-CN" sz="2800" dirty="0">
-                <a:latin typeface="华文楷体" panose="02010600040101010101" pitchFamily="2" charset="-122"/>
-                <a:ea typeface="华文楷体" panose="02010600040101010101" pitchFamily="2" charset="-122"/>
-              </a:rPr>
-              <a:t>6.</a:t>
-            </a:r>
-            <a:r>
-              <a:rPr lang="zh-CN" altLang="en-US" sz="2800" dirty="0">
-                <a:latin typeface="华文楷体" panose="02010600040101010101" pitchFamily="2" charset="-122"/>
-                <a:ea typeface="华文楷体" panose="02010600040101010101" pitchFamily="2" charset="-122"/>
-              </a:rPr>
-              <a:t>伪代码实现</a:t>
-            </a:r>
-            <a:endParaRPr lang="ko-KR" altLang="en-US" sz="2800" dirty="0">
-              <a:latin typeface="华文楷体" panose="02010600040101010101" pitchFamily="2" charset="-122"/>
-            </a:endParaRPr>
-          </a:p>
-        </p:txBody>
-      </p:sp>
       <p:pic>
         <p:nvPicPr>
-          <p:cNvPr id="5" name="图片 4">
+          <p:cNvPr id="2" name="图片 1">
             <a:extLst>
               <a:ext uri="{FF2B5EF4-FFF2-40B4-BE49-F238E27FC236}">
-                <a16:creationId xmlns:a16="http://schemas.microsoft.com/office/drawing/2014/main" id="{12F125B8-3874-4477-A1E9-994A7D42FE36}"/>
+                <a16:creationId xmlns:a16="http://schemas.microsoft.com/office/drawing/2014/main" id="{80478C18-AC23-46F7-8530-D65EE8EB03F9}"/>
               </a:ext>
             </a:extLst>
           </p:cNvPr>
@@ -30894,12 +31902,121 @@
         </p:blipFill>
         <p:spPr>
           <a:xfrm>
-            <a:off x="3869398" y="411669"/>
-            <a:ext cx="3739941" cy="4392488"/>
+            <a:off x="2702029" y="796164"/>
+            <a:ext cx="3739941" cy="4248472"/>
           </a:xfrm>
           <a:prstGeom prst="rect">
             <a:avLst/>
           </a:prstGeom>
+        </p:spPr>
+      </p:pic>
+      <p:sp>
+        <p:nvSpPr>
+          <p:cNvPr id="8" name="Title 1">
+            <a:extLst>
+              <a:ext uri="{FF2B5EF4-FFF2-40B4-BE49-F238E27FC236}">
+                <a16:creationId xmlns:a16="http://schemas.microsoft.com/office/drawing/2014/main" id="{3D4B6B08-2847-43E1-9849-38BCED90DAC8}"/>
+              </a:ext>
+            </a:extLst>
+          </p:cNvPr>
+          <p:cNvSpPr txBox="1">
+            <a:spLocks/>
+          </p:cNvSpPr>
+          <p:nvPr/>
+        </p:nvSpPr>
+        <p:spPr>
+          <a:xfrm>
+            <a:off x="1547664" y="267494"/>
+            <a:ext cx="2748915" cy="534670"/>
+          </a:xfrm>
+          <a:prstGeom prst="rect">
+            <a:avLst/>
+          </a:prstGeom>
+        </p:spPr>
+        <p:txBody>
+          <a:bodyPr anchor="ctr"/>
+          <a:lstStyle>
+            <a:lvl1pPr algn="l" defTabSz="914400" rtl="0" eaLnBrk="1" latinLnBrk="1" hangingPunct="1">
+              <a:spcBef>
+                <a:spcPct val="0"/>
+              </a:spcBef>
+              <a:buNone/>
+              <a:defRPr sz="3600" kern="1200">
+                <a:solidFill>
+                  <a:schemeClr val="tx1"/>
+                </a:solidFill>
+                <a:latin typeface="+mj-lt"/>
+                <a:ea typeface="+mj-ea"/>
+                <a:cs typeface="Arial" panose="020B0604020202020204" pitchFamily="34" charset="0"/>
+              </a:defRPr>
+            </a:lvl1pPr>
+          </a:lstStyle>
+          <a:p>
+            <a:r>
+              <a:rPr lang="en-US" altLang="zh-CN" sz="2800">
+                <a:latin typeface="华文楷体" panose="02010600040101010101" pitchFamily="2" charset="-122"/>
+                <a:ea typeface="华文楷体" panose="02010600040101010101" pitchFamily="2" charset="-122"/>
+              </a:rPr>
+              <a:t>6.</a:t>
+            </a:r>
+            <a:r>
+              <a:rPr lang="zh-CN" altLang="en-US" sz="2800">
+                <a:latin typeface="华文楷体" panose="02010600040101010101" pitchFamily="2" charset="-122"/>
+                <a:ea typeface="华文楷体" panose="02010600040101010101" pitchFamily="2" charset="-122"/>
+              </a:rPr>
+              <a:t>伪代码实现</a:t>
+            </a:r>
+            <a:endParaRPr lang="ko-KR" altLang="en-US" sz="2800" dirty="0">
+              <a:latin typeface="华文楷体" panose="02010600040101010101" pitchFamily="2" charset="-122"/>
+            </a:endParaRPr>
+          </a:p>
+        </p:txBody>
+      </p:sp>
+      <p:pic>
+        <p:nvPicPr>
+          <p:cNvPr id="2052" name="Picture 4">
+            <a:extLst>
+              <a:ext uri="{FF2B5EF4-FFF2-40B4-BE49-F238E27FC236}">
+                <a16:creationId xmlns:a16="http://schemas.microsoft.com/office/drawing/2014/main" id="{C3782202-410C-4946-A9F8-850D86891302}"/>
+              </a:ext>
+            </a:extLst>
+          </p:cNvPr>
+          <p:cNvPicPr>
+            <a:picLocks noChangeAspect="1" noChangeArrowheads="1"/>
+          </p:cNvPicPr>
+          <p:nvPr/>
+        </p:nvPicPr>
+        <p:blipFill>
+          <a:blip r:embed="rId3" cstate="print">
+            <a:extLst>
+              <a:ext uri="{28A0092B-C50C-407E-A947-70E740481C1C}">
+                <a14:useLocalDpi xmlns:a14="http://schemas.microsoft.com/office/drawing/2010/main" val="0"/>
+              </a:ext>
+            </a:extLst>
+          </a:blip>
+          <a:srcRect/>
+          <a:stretch>
+            <a:fillRect/>
+          </a:stretch>
+        </p:blipFill>
+        <p:spPr bwMode="auto">
+          <a:xfrm>
+            <a:off x="6588224" y="411510"/>
+            <a:ext cx="1733178" cy="1733178"/>
+          </a:xfrm>
+          <a:prstGeom prst="rect">
+            <a:avLst/>
+          </a:prstGeom>
+          <a:noFill/>
+          <a:extLst>
+            <a:ext uri="{909E8E84-426E-40DD-AFC4-6F175D3DCCD1}">
+              <a14:hiddenFill xmlns:a14="http://schemas.microsoft.com/office/drawing/2010/main">
+                <a:solidFill>
+                  <a:srgbClr val="FFFFFF"/>
+                </a:solidFill>
+              </a14:hiddenFill>
+            </a:ext>
+          </a:extLst>
         </p:spPr>
       </p:pic>
     </p:spTree>
@@ -30984,19 +32101,19 @@
 
 <file path=ppt/tags/tag5.xml><?xml version="1.0" encoding="utf-8"?>
 <p:tagLst xmlns:a="http://schemas.openxmlformats.org/drawingml/2006/main" xmlns:r="http://schemas.openxmlformats.org/officeDocument/2006/relationships" xmlns:p="http://schemas.openxmlformats.org/presentationml/2006/main">
-  <p:tag name="KSO_WM_UNIT_TABLE_BEAUTIFY" val="smartTable{08074aee-b40a-4663-bf3b-8dbbffe429f6}"/>
+  <p:tag name="KSO_WM_UNIT_TABLE_BEAUTIFY" val="smartTable{d5109a15-1a64-4cc3-b87b-c669a9164532}"/>
 </p:tagLst>
 </file>
 
 <file path=ppt/tags/tag6.xml><?xml version="1.0" encoding="utf-8"?>
 <p:tagLst xmlns:a="http://schemas.openxmlformats.org/drawingml/2006/main" xmlns:r="http://schemas.openxmlformats.org/officeDocument/2006/relationships" xmlns:p="http://schemas.openxmlformats.org/presentationml/2006/main">
-  <p:tag name="KSO_WM_UNIT_TABLE_BEAUTIFY" val="smartTable{abea10a7-8ea3-4e71-96e2-fa88667a53ec}"/>
+  <p:tag name="KSO_WM_UNIT_TABLE_BEAUTIFY" val="smartTable{08074aee-b40a-4663-bf3b-8dbbffe429f6}"/>
 </p:tagLst>
 </file>
 
 <file path=ppt/tags/tag7.xml><?xml version="1.0" encoding="utf-8"?>
 <p:tagLst xmlns:a="http://schemas.openxmlformats.org/drawingml/2006/main" xmlns:r="http://schemas.openxmlformats.org/officeDocument/2006/relationships" xmlns:p="http://schemas.openxmlformats.org/presentationml/2006/main">
-  <p:tag name="KSO_WM_UNIT_TABLE_BEAUTIFY" val="smartTable{d5109a15-1a64-4cc3-b87b-c669a9164532}"/>
+  <p:tag name="KSO_WM_UNIT_TABLE_BEAUTIFY" val="smartTable{abea10a7-8ea3-4e71-96e2-fa88667a53ec}"/>
 </p:tagLst>
 </file>
 
